--- a/13-ohai.pptx
+++ b/13-ohai.pptx
@@ -256,10 +256,9 @@
               <a:defRPr/>
             </a:pPr>
             <a:r>
-              <a:rPr lang="en-US" smtClean="0"/>
+              <a:rPr lang="en-US"/>
               <a:t>Chef Intermediate</a:t>
             </a:r>
-            <a:endParaRPr lang="en-US"/>
           </a:p>
         </p:txBody>
       </p:sp>
@@ -304,7 +303,7 @@
               <a:defRPr/>
             </a:pPr>
             <a:r>
-              <a:rPr lang="en-US" smtClean="0"/>
+              <a:rPr lang="en-US"/>
               <a:t>Chef Software, Inc.</a:t>
             </a:r>
             <a:endParaRPr lang="en-US" dirty="0"/>
@@ -484,7 +483,7 @@
               <a:defRPr/>
             </a:pPr>
             <a:r>
-              <a:rPr lang="en-US" smtClean="0"/>
+              <a:rPr lang="en-US"/>
               <a:t>Chef Software, Inc.</a:t>
             </a:r>
             <a:endParaRPr lang="en-US" dirty="0"/>
@@ -552,38 +551,37 @@
           <a:p>
             <a:pPr lvl="0"/>
             <a:r>
-              <a:rPr lang="en-US" noProof="0" dirty="0" smtClean="0"/>
+              <a:rPr lang="en-US" noProof="0" dirty="0"/>
               <a:t>Click to edit Master text styles</a:t>
             </a:r>
           </a:p>
           <a:p>
             <a:pPr lvl="1"/>
             <a:r>
-              <a:rPr lang="en-US" noProof="0" dirty="0" smtClean="0"/>
+              <a:rPr lang="en-US" noProof="0" dirty="0"/>
               <a:t>Second level</a:t>
             </a:r>
           </a:p>
           <a:p>
             <a:pPr lvl="2"/>
             <a:r>
-              <a:rPr lang="en-US" noProof="0" dirty="0" smtClean="0"/>
+              <a:rPr lang="en-US" noProof="0" dirty="0"/>
               <a:t>Third level</a:t>
             </a:r>
           </a:p>
           <a:p>
             <a:pPr lvl="3"/>
             <a:r>
-              <a:rPr lang="en-US" noProof="0" dirty="0" smtClean="0"/>
+              <a:rPr lang="en-US" noProof="0" dirty="0"/>
               <a:t>Fourth level</a:t>
             </a:r>
           </a:p>
           <a:p>
             <a:pPr lvl="4"/>
             <a:r>
-              <a:rPr lang="en-US" noProof="0" dirty="0" smtClean="0"/>
+              <a:rPr lang="en-US" noProof="0" dirty="0"/>
               <a:t>Fifth level</a:t>
             </a:r>
-            <a:endParaRPr lang="en-US" noProof="0" dirty="0"/>
           </a:p>
         </p:txBody>
       </p:sp>
@@ -628,10 +626,9 @@
               <a:defRPr/>
             </a:pPr>
             <a:r>
-              <a:rPr lang="en-US" smtClean="0"/>
+              <a:rPr lang="en-US"/>
               <a:t>Chef Intermediate</a:t>
             </a:r>
-            <a:endParaRPr lang="en-US"/>
           </a:p>
         </p:txBody>
       </p:sp>
@@ -837,10 +834,9 @@
           <a:lstStyle/>
           <a:p>
             <a:r>
-              <a:rPr lang="en-US" dirty="0" smtClean="0"/>
+              <a:rPr lang="en-US" dirty="0"/>
               <a:t>Before you set out to start managing your nodes it is important to understand the current state of your nodes. As Chef, a platform agnostic tool, is written in Ruby, a platform agnostic language, it is useful to understand what is or is not installed on the system. This information is helpful in helping a resource select the correct provider or for that provider to determine which version of the tool or language is at it disposal.</a:t>
             </a:r>
-            <a:endParaRPr lang="en-US" dirty="0"/>
           </a:p>
         </p:txBody>
       </p:sp>
@@ -863,10 +859,9 @@
               <a:defRPr/>
             </a:pPr>
             <a:r>
-              <a:rPr lang="en-US" smtClean="0"/>
+              <a:rPr lang="en-US"/>
               <a:t>Chef Intermediate</a:t>
             </a:r>
-            <a:endParaRPr lang="en-US"/>
           </a:p>
         </p:txBody>
       </p:sp>
@@ -889,7 +884,7 @@
               <a:defRPr/>
             </a:pPr>
             <a:r>
-              <a:rPr lang="en-US" smtClean="0"/>
+              <a:rPr lang="en-US"/>
               <a:t>Chef Software, Inc.</a:t>
             </a:r>
             <a:endParaRPr lang="en-US" dirty="0"/>
@@ -954,7 +949,7 @@
           <a:lstStyle/>
           <a:p>
             <a:r>
-              <a:rPr lang="en-US" baseline="0" dirty="0" smtClean="0"/>
+              <a:rPr lang="en-US" baseline="0" dirty="0"/>
               <a:t>We can grab a single value, like the total memory, by specifying a slash between the top-level key and the next level key underneath it. This command will return the total memory of the system.</a:t>
             </a:r>
             <a:endParaRPr lang="en-US" dirty="0"/>
@@ -977,7 +972,7 @@
           <a:lstStyle/>
           <a:p>
             <a:r>
-              <a:rPr lang="en-US" smtClean="0"/>
+              <a:rPr lang="en-US"/>
               <a:t>Chef Intermediate</a:t>
             </a:r>
             <a:endParaRPr lang="en-US" dirty="0"/>
@@ -1003,7 +998,7 @@
               <a:defRPr/>
             </a:pPr>
             <a:r>
-              <a:rPr lang="en-US" smtClean="0"/>
+              <a:rPr lang="en-US"/>
               <a:t>Chef Software, Inc.</a:t>
             </a:r>
             <a:endParaRPr lang="en-US" dirty="0"/>
@@ -1068,27 +1063,27 @@
           <a:lstStyle/>
           <a:p>
             <a:r>
-              <a:rPr lang="en-US" dirty="0" smtClean="0"/>
+              <a:rPr lang="en-US" dirty="0"/>
               <a:t>We can return</a:t>
             </a:r>
             <a:r>
-              <a:rPr lang="en-US" baseline="0" dirty="0" smtClean="0"/>
+              <a:rPr lang="en-US" baseline="0" dirty="0"/>
               <a:t> all the details about the </a:t>
             </a:r>
             <a:r>
-              <a:rPr lang="en-US" baseline="0" dirty="0" err="1" smtClean="0"/>
+              <a:rPr lang="en-US" baseline="0" dirty="0" err="1"/>
               <a:t>cpu</a:t>
             </a:r>
             <a:r>
-              <a:rPr lang="en-US" baseline="0" dirty="0" smtClean="0"/>
+              <a:rPr lang="en-US" baseline="0" dirty="0"/>
               <a:t>. We see that there is one </a:t>
             </a:r>
             <a:r>
-              <a:rPr lang="en-US" baseline="0" dirty="0" err="1" smtClean="0"/>
+              <a:rPr lang="en-US" baseline="0" dirty="0" err="1"/>
               <a:t>cpu</a:t>
             </a:r>
             <a:r>
-              <a:rPr lang="en-US" baseline="0" dirty="0" smtClean="0"/>
+              <a:rPr lang="en-US" baseline="0" dirty="0"/>
               <a:t>, named '0', that contains more information.</a:t>
             </a:r>
             <a:endParaRPr lang="en-US" dirty="0"/>
@@ -1111,7 +1106,7 @@
           <a:lstStyle/>
           <a:p>
             <a:r>
-              <a:rPr lang="en-US" smtClean="0"/>
+              <a:rPr lang="en-US"/>
               <a:t>Chef Intermediate</a:t>
             </a:r>
             <a:endParaRPr lang="en-US" dirty="0"/>
@@ -1137,7 +1132,7 @@
               <a:defRPr/>
             </a:pPr>
             <a:r>
-              <a:rPr lang="en-US" smtClean="0"/>
+              <a:rPr lang="en-US"/>
               <a:t>Chef Software, Inc.</a:t>
             </a:r>
             <a:endParaRPr lang="en-US" dirty="0"/>
@@ -1202,19 +1197,19 @@
           <a:lstStyle/>
           <a:p>
             <a:r>
-              <a:rPr lang="en-US" dirty="0" smtClean="0"/>
+              <a:rPr lang="en-US" dirty="0"/>
               <a:t>Here we are</a:t>
             </a:r>
             <a:r>
-              <a:rPr lang="en-US" baseline="0" dirty="0" smtClean="0"/>
+              <a:rPr lang="en-US" baseline="0" dirty="0"/>
               <a:t> asking for all the details about the </a:t>
             </a:r>
             <a:r>
-              <a:rPr lang="en-US" baseline="0" dirty="0" err="1" smtClean="0"/>
+              <a:rPr lang="en-US" baseline="0" dirty="0" err="1"/>
               <a:t>cpu</a:t>
             </a:r>
             <a:r>
-              <a:rPr lang="en-US" baseline="0" dirty="0" smtClean="0"/>
+              <a:rPr lang="en-US" baseline="0" dirty="0"/>
               <a:t> named '0'.</a:t>
             </a:r>
             <a:endParaRPr lang="en-US" dirty="0"/>
@@ -1237,7 +1232,7 @@
           <a:lstStyle/>
           <a:p>
             <a:r>
-              <a:rPr lang="en-US" smtClean="0"/>
+              <a:rPr lang="en-US"/>
               <a:t>Chef Intermediate</a:t>
             </a:r>
             <a:endParaRPr lang="en-US" dirty="0"/>
@@ -1263,7 +1258,7 @@
               <a:defRPr/>
             </a:pPr>
             <a:r>
-              <a:rPr lang="en-US" smtClean="0"/>
+              <a:rPr lang="en-US"/>
               <a:t>Chef Software, Inc.</a:t>
             </a:r>
             <a:endParaRPr lang="en-US" dirty="0"/>
@@ -1328,19 +1323,19 @@
           <a:lstStyle/>
           <a:p>
             <a:r>
-              <a:rPr lang="en-US" dirty="0" smtClean="0"/>
+              <a:rPr lang="en-US" dirty="0"/>
               <a:t>And finally if</a:t>
             </a:r>
             <a:r>
-              <a:rPr lang="en-US" baseline="0" dirty="0" smtClean="0"/>
+              <a:rPr lang="en-US" baseline="0" dirty="0"/>
               <a:t> we wanted to display the Megahertz of that specific </a:t>
             </a:r>
             <a:r>
-              <a:rPr lang="en-US" baseline="0" dirty="0" err="1" smtClean="0"/>
+              <a:rPr lang="en-US" baseline="0" dirty="0" err="1"/>
               <a:t>cpu</a:t>
             </a:r>
             <a:r>
-              <a:rPr lang="en-US" baseline="0" dirty="0" smtClean="0"/>
+              <a:rPr lang="en-US" baseline="0" dirty="0"/>
               <a:t> we can append an additional key to the parameter.</a:t>
             </a:r>
             <a:endParaRPr lang="en-US" dirty="0"/>
@@ -1363,7 +1358,7 @@
           <a:lstStyle/>
           <a:p>
             <a:r>
-              <a:rPr lang="en-US" smtClean="0"/>
+              <a:rPr lang="en-US"/>
               <a:t>Chef Intermediate</a:t>
             </a:r>
             <a:endParaRPr lang="en-US" dirty="0"/>
@@ -1389,7 +1384,7 @@
               <a:defRPr/>
             </a:pPr>
             <a:r>
-              <a:rPr lang="en-US" smtClean="0"/>
+              <a:rPr lang="en-US"/>
               <a:t>Chef Software, Inc.</a:t>
             </a:r>
             <a:endParaRPr lang="en-US" dirty="0"/>
@@ -1454,23 +1449,23 @@
           <a:lstStyle/>
           <a:p>
             <a:r>
-              <a:rPr lang="en-US" dirty="0" err="1" smtClean="0"/>
+              <a:rPr lang="en-US" dirty="0" err="1"/>
               <a:t>Ohai</a:t>
             </a:r>
             <a:r>
-              <a:rPr lang="en-US" dirty="0" smtClean="0"/>
+              <a:rPr lang="en-US" dirty="0"/>
               <a:t> is composed</a:t>
             </a:r>
             <a:r>
-              <a:rPr lang="en-US" baseline="0" dirty="0" smtClean="0"/>
+              <a:rPr lang="en-US" baseline="0" dirty="0"/>
               <a:t> of plugins that collect these different attributes. When you execute </a:t>
             </a:r>
             <a:r>
-              <a:rPr lang="en-US" baseline="0" dirty="0" err="1" smtClean="0"/>
+              <a:rPr lang="en-US" baseline="0" dirty="0" err="1"/>
               <a:t>Ohai</a:t>
             </a:r>
             <a:r>
-              <a:rPr lang="en-US" baseline="0" dirty="0" smtClean="0"/>
+              <a:rPr lang="en-US" baseline="0" dirty="0"/>
               <a:t> it will load the core plugins that are packaged with it. </a:t>
             </a:r>
             <a:endParaRPr lang="en-US" dirty="0"/>
@@ -1496,10 +1491,9 @@
               <a:defRPr/>
             </a:pPr>
             <a:r>
-              <a:rPr lang="en-US" smtClean="0"/>
+              <a:rPr lang="en-US"/>
               <a:t>Chef Intermediate</a:t>
             </a:r>
-            <a:endParaRPr lang="en-US"/>
           </a:p>
         </p:txBody>
       </p:sp>
@@ -1522,7 +1516,7 @@
               <a:defRPr/>
             </a:pPr>
             <a:r>
-              <a:rPr lang="en-US" smtClean="0"/>
+              <a:rPr lang="en-US"/>
               <a:t>Chef Software, Inc.</a:t>
             </a:r>
             <a:endParaRPr lang="en-US" dirty="0"/>
@@ -1587,23 +1581,23 @@
           <a:lstStyle/>
           <a:p>
             <a:r>
-              <a:rPr lang="en-US" dirty="0" err="1" smtClean="0"/>
+              <a:rPr lang="en-US" dirty="0" err="1"/>
               <a:t>Ohai</a:t>
             </a:r>
             <a:r>
-              <a:rPr lang="en-US" dirty="0" smtClean="0"/>
+              <a:rPr lang="en-US" dirty="0"/>
               <a:t> is composed</a:t>
             </a:r>
             <a:r>
-              <a:rPr lang="en-US" baseline="0" dirty="0" smtClean="0"/>
+              <a:rPr lang="en-US" baseline="0" dirty="0"/>
               <a:t> of plugins that collect these different attributes. When you execute </a:t>
             </a:r>
             <a:r>
-              <a:rPr lang="en-US" baseline="0" dirty="0" err="1" smtClean="0"/>
+              <a:rPr lang="en-US" baseline="0" dirty="0" err="1"/>
               <a:t>Ohai</a:t>
             </a:r>
             <a:r>
-              <a:rPr lang="en-US" baseline="0" dirty="0" smtClean="0"/>
+              <a:rPr lang="en-US" baseline="0" dirty="0"/>
               <a:t> it will load the core plugins that are packaged with it. </a:t>
             </a:r>
             <a:endParaRPr lang="en-US" dirty="0"/>
@@ -1629,10 +1623,9 @@
               <a:defRPr/>
             </a:pPr>
             <a:r>
-              <a:rPr lang="en-US" smtClean="0"/>
+              <a:rPr lang="en-US"/>
               <a:t>Chef Intermediate</a:t>
             </a:r>
-            <a:endParaRPr lang="en-US"/>
           </a:p>
         </p:txBody>
       </p:sp>
@@ -1655,7 +1648,7 @@
               <a:defRPr/>
             </a:pPr>
             <a:r>
-              <a:rPr lang="en-US" smtClean="0"/>
+              <a:rPr lang="en-US"/>
               <a:t>Chef Software, Inc.</a:t>
             </a:r>
             <a:endParaRPr lang="en-US" dirty="0"/>
@@ -1720,23 +1713,23 @@
           <a:lstStyle/>
           <a:p>
             <a:r>
-              <a:rPr lang="en-US" dirty="0" smtClean="0"/>
+              <a:rPr lang="en-US" dirty="0"/>
               <a:t>Executing </a:t>
             </a:r>
             <a:r>
-              <a:rPr lang="en-US" dirty="0" err="1" smtClean="0"/>
+              <a:rPr lang="en-US" dirty="0" err="1"/>
               <a:t>ohai</a:t>
             </a:r>
             <a:r>
-              <a:rPr lang="en-US" baseline="0" dirty="0" smtClean="0"/>
+              <a:rPr lang="en-US" baseline="0" dirty="0"/>
               <a:t> from the terminal gives you an idea about all the data that </a:t>
             </a:r>
             <a:r>
-              <a:rPr lang="en-US" baseline="0" dirty="0" err="1" smtClean="0"/>
+              <a:rPr lang="en-US" baseline="0" dirty="0" err="1"/>
               <a:t>Ohai</a:t>
             </a:r>
             <a:r>
-              <a:rPr lang="en-US" baseline="0" dirty="0" smtClean="0"/>
+              <a:rPr lang="en-US" baseline="0" dirty="0"/>
               <a:t> can provide for a system. Now it is important to see where this data is captured in the chef-client run.</a:t>
             </a:r>
             <a:endParaRPr lang="en-US" dirty="0"/>
@@ -1762,10 +1755,9 @@
               <a:defRPr/>
             </a:pPr>
             <a:r>
-              <a:rPr lang="en-US" smtClean="0"/>
+              <a:rPr lang="en-US"/>
               <a:t>Chef Intermediate</a:t>
             </a:r>
-            <a:endParaRPr lang="en-US"/>
           </a:p>
         </p:txBody>
       </p:sp>
@@ -1788,7 +1780,7 @@
               <a:defRPr/>
             </a:pPr>
             <a:r>
-              <a:rPr lang="en-US" smtClean="0"/>
+              <a:rPr lang="en-US"/>
               <a:t>Chef Software, Inc.</a:t>
             </a:r>
             <a:endParaRPr lang="en-US" dirty="0"/>
@@ -1875,10 +1867,9 @@
               <a:defRPr/>
             </a:pPr>
             <a:r>
-              <a:rPr lang="en-US" smtClean="0"/>
+              <a:rPr lang="en-US"/>
               <a:t>Chef Intermediate</a:t>
             </a:r>
-            <a:endParaRPr lang="en-US"/>
           </a:p>
         </p:txBody>
       </p:sp>
@@ -1901,7 +1892,7 @@
               <a:defRPr/>
             </a:pPr>
             <a:r>
-              <a:rPr lang="en-US" smtClean="0"/>
+              <a:rPr lang="en-US"/>
               <a:t>Chef Software, Inc.</a:t>
             </a:r>
             <a:endParaRPr lang="en-US" dirty="0"/>
@@ -1983,19 +1974,19 @@
               <a:defRPr/>
             </a:pPr>
             <a:r>
-              <a:rPr lang="en-US" dirty="0" smtClean="0"/>
+              <a:rPr lang="en-US" dirty="0"/>
               <a:t>chef-client automatically</a:t>
             </a:r>
             <a:r>
-              <a:rPr lang="en-US" baseline="0" dirty="0" smtClean="0"/>
+              <a:rPr lang="en-US" baseline="0" dirty="0"/>
               <a:t> loads the </a:t>
             </a:r>
             <a:r>
-              <a:rPr lang="en-US" baseline="0" dirty="0" err="1" smtClean="0"/>
+              <a:rPr lang="en-US" baseline="0" dirty="0" err="1"/>
               <a:t>Ohai</a:t>
             </a:r>
             <a:r>
-              <a:rPr lang="en-US" baseline="0" dirty="0" smtClean="0"/>
+              <a:rPr lang="en-US" baseline="0" dirty="0"/>
               <a:t> libraries and executes them to capture details about the system. These details are stored in the node object which is available in the recipes that we define. At the end of a successful chef-client run this node object is sent to the Chef Server.</a:t>
             </a:r>
           </a:p>
@@ -2020,10 +2011,9 @@
               <a:defRPr/>
             </a:pPr>
             <a:r>
-              <a:rPr lang="en-US" smtClean="0"/>
+              <a:rPr lang="en-US"/>
               <a:t>Chef Intermediate</a:t>
             </a:r>
-            <a:endParaRPr lang="en-US"/>
           </a:p>
         </p:txBody>
       </p:sp>
@@ -2046,7 +2036,7 @@
               <a:defRPr/>
             </a:pPr>
             <a:r>
-              <a:rPr lang="en-US" smtClean="0"/>
+              <a:rPr lang="en-US"/>
               <a:t>Chef Software, Inc.</a:t>
             </a:r>
             <a:endParaRPr lang="en-US" dirty="0"/>
@@ -2111,69 +2101,78 @@
           <a:lstStyle/>
           <a:p>
             <a:r>
-              <a:rPr lang="en-US" dirty="0" smtClean="0"/>
+              <a:rPr lang="en-US" dirty="0"/>
               <a:t>chef-client</a:t>
             </a:r>
             <a:r>
-              <a:rPr lang="en-US" baseline="0" dirty="0" smtClean="0"/>
+              <a:rPr lang="en-US" baseline="0" dirty="0"/>
               <a:t> run </a:t>
             </a:r>
             <a:r>
-              <a:rPr lang="en-US" baseline="0" dirty="0" err="1" smtClean="0"/>
+              <a:rPr lang="en-US" baseline="0" dirty="0" err="1"/>
               <a:t>ohai</a:t>
             </a:r>
             <a:r>
-              <a:rPr lang="en-US" baseline="0" dirty="0" smtClean="0"/>
+              <a:rPr lang="en-US" baseline="0" dirty="0"/>
               <a:t> in code as one of it's first steps. We can examine how that is done with Pry. Pry can be used as a debugger and as a REPL (Read-Evaluate-Print-Loop) tool. We can run this to allow to explore how </a:t>
             </a:r>
             <a:r>
-              <a:rPr lang="en-US" baseline="0" dirty="0" err="1" smtClean="0"/>
+              <a:rPr lang="en-US" baseline="0" dirty="0" err="1"/>
               <a:t>Ohai</a:t>
             </a:r>
             <a:r>
-              <a:rPr lang="en-US" baseline="0" dirty="0" smtClean="0"/>
+              <a:rPr lang="en-US" baseline="0" dirty="0"/>
               <a:t> is executed by the chef-client application.</a:t>
             </a:r>
           </a:p>
           <a:p>
-            <a:endParaRPr lang="en-US" baseline="0" dirty="0" smtClean="0"/>
-          </a:p>
-          <a:p>
-            <a:r>
-              <a:rPr lang="en-US" baseline="0" dirty="0" smtClean="0"/>
+            <a:endParaRPr lang="en-US" baseline="0" dirty="0"/>
+          </a:p>
+          <a:p>
+            <a:r>
+              <a:rPr lang="en-US" baseline="0" dirty="0"/>
               <a:t>First launch the session by running the specified command. Within this interactive session you can load the </a:t>
             </a:r>
             <a:r>
-              <a:rPr lang="en-US" baseline="0" dirty="0" err="1" smtClean="0"/>
+              <a:rPr lang="en-US" baseline="0" dirty="0" err="1"/>
               <a:t>Ohai</a:t>
             </a:r>
             <a:r>
-              <a:rPr lang="en-US" baseline="0" dirty="0" smtClean="0"/>
+              <a:rPr lang="en-US" baseline="0" dirty="0"/>
               <a:t> gem with the require command, create a new </a:t>
             </a:r>
             <a:r>
-              <a:rPr lang="en-US" baseline="0" dirty="0" err="1" smtClean="0"/>
+              <a:rPr lang="en-US" baseline="0" dirty="0" err="1"/>
               <a:t>Ohai</a:t>
             </a:r>
             <a:r>
-              <a:rPr lang="en-US" baseline="0" dirty="0" smtClean="0"/>
+              <a:rPr lang="en-US" baseline="0" dirty="0"/>
               <a:t> System object, and then ask the </a:t>
             </a:r>
             <a:r>
-              <a:rPr lang="en-US" baseline="0" dirty="0" err="1" smtClean="0"/>
+              <a:rPr lang="en-US" baseline="0" dirty="0" err="1"/>
               <a:t>ohai</a:t>
             </a:r>
             <a:r>
-              <a:rPr lang="en-US" baseline="0" dirty="0" smtClean="0"/>
+              <a:rPr lang="en-US" baseline="0" dirty="0"/>
               <a:t> object to load specific plugins or all plugins through the '</a:t>
             </a:r>
             <a:r>
-              <a:rPr lang="en-US" baseline="0" dirty="0" err="1" smtClean="0"/>
+              <a:rPr lang="en-US" baseline="0" dirty="0" err="1"/>
               <a:t>all_plugins</a:t>
             </a:r>
             <a:r>
-              <a:rPr lang="en-US" baseline="0" dirty="0" smtClean="0"/>
-              <a:t>' method. When you are done you can exit by entering the command 'exit'.</a:t>
+              <a:rPr lang="en-US" baseline="0" dirty="0"/>
+              <a:t>' method. When you are done you can exit by entering the command 'exit’.</a:t>
+            </a:r>
+          </a:p>
+          <a:p>
+            <a:endParaRPr lang="en-US" baseline="0" dirty="0"/>
+          </a:p>
+          <a:p>
+            <a:r>
+              <a:rPr lang="en-US" baseline="0" dirty="0"/>
+              <a:t>Type ‘q’ to exit large outputs</a:t>
             </a:r>
             <a:endParaRPr lang="en-US" dirty="0"/>
           </a:p>
@@ -2198,10 +2197,9 @@
               <a:defRPr/>
             </a:pPr>
             <a:r>
-              <a:rPr lang="en-US" smtClean="0"/>
+              <a:rPr lang="en-US"/>
               <a:t>Chef Intermediate</a:t>
             </a:r>
-            <a:endParaRPr lang="en-US"/>
           </a:p>
         </p:txBody>
       </p:sp>
@@ -2224,7 +2222,7 @@
               <a:defRPr/>
             </a:pPr>
             <a:r>
-              <a:rPr lang="en-US" smtClean="0"/>
+              <a:rPr lang="en-US"/>
               <a:t>Chef Software, Inc.</a:t>
             </a:r>
             <a:endParaRPr lang="en-US" dirty="0"/>
@@ -2289,38 +2287,37 @@
           <a:lstStyle/>
           <a:p>
             <a:r>
-              <a:rPr lang="en-US" dirty="0" smtClean="0"/>
+              <a:rPr lang="en-US" dirty="0"/>
               <a:t>After completing this module you will be able to execute the </a:t>
             </a:r>
             <a:r>
-              <a:rPr lang="en-US" dirty="0" err="1" smtClean="0"/>
+              <a:rPr lang="en-US" dirty="0" err="1"/>
               <a:t>Ohai</a:t>
             </a:r>
             <a:r>
-              <a:rPr lang="en-US" baseline="0" dirty="0" smtClean="0"/>
+              <a:rPr lang="en-US" baseline="0" dirty="0"/>
               <a:t> </a:t>
             </a:r>
             <a:r>
-              <a:rPr lang="en-US" dirty="0" smtClean="0"/>
+              <a:rPr lang="en-US" dirty="0"/>
               <a:t>command-line tool to return an attribute, describe when </a:t>
             </a:r>
             <a:r>
-              <a:rPr lang="en-US" dirty="0" err="1" smtClean="0"/>
+              <a:rPr lang="en-US" dirty="0" err="1"/>
               <a:t>Ohai</a:t>
             </a:r>
             <a:r>
-              <a:rPr lang="en-US" dirty="0" smtClean="0"/>
+              <a:rPr lang="en-US" dirty="0"/>
               <a:t> is loaded in the chef-client run, when new attributes for the node are stored in that chef-client run, and be able to describe the attribute precedence for attributes collect by </a:t>
             </a:r>
             <a:r>
-              <a:rPr lang="en-US" dirty="0" err="1" smtClean="0"/>
+              <a:rPr lang="en-US" dirty="0" err="1"/>
               <a:t>Ohai</a:t>
             </a:r>
             <a:r>
-              <a:rPr lang="en-US" dirty="0" smtClean="0"/>
+              <a:rPr lang="en-US" dirty="0"/>
               <a:t>.</a:t>
             </a:r>
-            <a:endParaRPr lang="en-US" dirty="0"/>
           </a:p>
         </p:txBody>
       </p:sp>
@@ -2343,10 +2340,9 @@
               <a:defRPr/>
             </a:pPr>
             <a:r>
-              <a:rPr lang="en-US" smtClean="0"/>
+              <a:rPr lang="en-US"/>
               <a:t>Chef Intermediate</a:t>
             </a:r>
-            <a:endParaRPr lang="en-US"/>
           </a:p>
         </p:txBody>
       </p:sp>
@@ -2369,7 +2365,7 @@
               <a:defRPr/>
             </a:pPr>
             <a:r>
-              <a:rPr lang="en-US" smtClean="0"/>
+              <a:rPr lang="en-US"/>
               <a:t>Chef Software, Inc.</a:t>
             </a:r>
             <a:endParaRPr lang="en-US" dirty="0"/>
@@ -2434,35 +2430,35 @@
           <a:lstStyle/>
           <a:p>
             <a:r>
-              <a:rPr lang="en-US" dirty="0" smtClean="0"/>
+              <a:rPr lang="en-US" dirty="0"/>
               <a:t>chef-client</a:t>
             </a:r>
             <a:r>
-              <a:rPr lang="en-US" baseline="0" dirty="0" smtClean="0"/>
+              <a:rPr lang="en-US" baseline="0" dirty="0"/>
               <a:t> loads and executes </a:t>
             </a:r>
             <a:r>
-              <a:rPr lang="en-US" baseline="0" dirty="0" err="1" smtClean="0"/>
+              <a:rPr lang="en-US" baseline="0" dirty="0" err="1"/>
               <a:t>Ohai</a:t>
             </a:r>
             <a:r>
-              <a:rPr lang="en-US" baseline="0" dirty="0" smtClean="0"/>
+              <a:rPr lang="en-US" baseline="0" dirty="0"/>
               <a:t> within Ruby. </a:t>
             </a:r>
             <a:r>
-              <a:rPr lang="en-US" baseline="0" dirty="0" err="1" smtClean="0"/>
+              <a:rPr lang="en-US" baseline="0" dirty="0" err="1"/>
               <a:t>Ohai</a:t>
             </a:r>
             <a:r>
-              <a:rPr lang="en-US" baseline="0" dirty="0" smtClean="0"/>
+              <a:rPr lang="en-US" baseline="0" dirty="0"/>
               <a:t> returns Ruby object representations of the data that chef-client is able to evaluate and store within the node object. These attributes discovered by </a:t>
             </a:r>
             <a:r>
-              <a:rPr lang="en-US" baseline="0" dirty="0" err="1" smtClean="0"/>
+              <a:rPr lang="en-US" baseline="0" dirty="0" err="1"/>
               <a:t>Ohai</a:t>
             </a:r>
             <a:r>
-              <a:rPr lang="en-US" baseline="0" dirty="0" smtClean="0"/>
+              <a:rPr lang="en-US" baseline="0" dirty="0"/>
               <a:t> become attributes of the node object and it is important to take a quick moment to discuss how these attributes compare to the other attributes that may be defined in other locations within cookbooks, roles, and environments.</a:t>
             </a:r>
             <a:endParaRPr lang="en-US" dirty="0"/>
@@ -2488,10 +2484,9 @@
               <a:defRPr/>
             </a:pPr>
             <a:r>
-              <a:rPr lang="en-US" smtClean="0"/>
+              <a:rPr lang="en-US"/>
               <a:t>Chef Intermediate</a:t>
             </a:r>
-            <a:endParaRPr lang="en-US"/>
           </a:p>
         </p:txBody>
       </p:sp>
@@ -2514,7 +2509,7 @@
               <a:defRPr/>
             </a:pPr>
             <a:r>
-              <a:rPr lang="en-US" smtClean="0"/>
+              <a:rPr lang="en-US"/>
               <a:t>Chef Software, Inc.</a:t>
             </a:r>
             <a:endParaRPr lang="en-US" dirty="0"/>
@@ -2579,27 +2574,27 @@
           <a:lstStyle/>
           <a:p>
             <a:r>
-              <a:rPr lang="en-US" dirty="0" smtClean="0"/>
+              <a:rPr lang="en-US" dirty="0"/>
               <a:t>Later</a:t>
             </a:r>
             <a:r>
-              <a:rPr lang="en-US" baseline="0" dirty="0" smtClean="0"/>
+              <a:rPr lang="en-US" baseline="0" dirty="0"/>
               <a:t> within the chef-client a node object is created with the attributes collected from </a:t>
             </a:r>
             <a:r>
-              <a:rPr lang="en-US" baseline="0" dirty="0" err="1" smtClean="0"/>
+              <a:rPr lang="en-US" baseline="0" dirty="0" err="1"/>
               <a:t>Ohai</a:t>
             </a:r>
             <a:r>
-              <a:rPr lang="en-US" baseline="0" dirty="0" smtClean="0"/>
+              <a:rPr lang="en-US" baseline="0" dirty="0"/>
               <a:t>, the values previously stored on the Chef Server, and then the attributes defined in the environments, roles and cookbooks described in the node's run list. The node prioritizes and gives precedence to the attributes collected by </a:t>
             </a:r>
             <a:r>
-              <a:rPr lang="en-US" baseline="0" dirty="0" err="1" smtClean="0"/>
+              <a:rPr lang="en-US" baseline="0" dirty="0" err="1"/>
               <a:t>Ohai</a:t>
             </a:r>
             <a:r>
-              <a:rPr lang="en-US" baseline="0" dirty="0" smtClean="0"/>
+              <a:rPr lang="en-US" baseline="0" dirty="0"/>
               <a:t>.</a:t>
             </a:r>
             <a:endParaRPr lang="en-US" dirty="0"/>
@@ -2625,10 +2620,9 @@
               <a:defRPr/>
             </a:pPr>
             <a:r>
-              <a:rPr lang="en-US" smtClean="0"/>
+              <a:rPr lang="en-US"/>
               <a:t>Chef Intermediate</a:t>
             </a:r>
-            <a:endParaRPr lang="en-US"/>
           </a:p>
         </p:txBody>
       </p:sp>
@@ -2651,7 +2645,7 @@
               <a:defRPr/>
             </a:pPr>
             <a:r>
-              <a:rPr lang="en-US" smtClean="0"/>
+              <a:rPr lang="en-US"/>
               <a:t>Chef Software, Inc.</a:t>
             </a:r>
             <a:endParaRPr lang="en-US" dirty="0"/>
@@ -2716,55 +2710,55 @@
           <a:lstStyle/>
           <a:p>
             <a:r>
-              <a:rPr lang="en-US" dirty="0" smtClean="0"/>
+              <a:rPr lang="en-US" dirty="0"/>
               <a:t>This is</a:t>
             </a:r>
             <a:r>
-              <a:rPr lang="en-US" baseline="0" dirty="0" smtClean="0"/>
+              <a:rPr lang="en-US" baseline="0" dirty="0"/>
               <a:t> a table representation of the various levels of precedence that can be specified with the location in which it can be specified. The lower the value, the lower the precedence. The higher the value, the higher the precedence.</a:t>
             </a:r>
-            <a:endParaRPr lang="en-US" dirty="0" smtClean="0"/>
-          </a:p>
-          <a:p>
-            <a:r>
-              <a:rPr lang="en-US" dirty="0" smtClean="0"/>
+            <a:endParaRPr lang="en-US" dirty="0"/>
+          </a:p>
+          <a:p>
+            <a:r>
+              <a:rPr lang="en-US" dirty="0"/>
               <a:t>The attributes collected from </a:t>
             </a:r>
             <a:r>
-              <a:rPr lang="en-US" dirty="0" err="1" smtClean="0"/>
+              <a:rPr lang="en-US" dirty="0" err="1"/>
               <a:t>Ohai</a:t>
             </a:r>
             <a:r>
-              <a:rPr lang="en-US" dirty="0" smtClean="0"/>
+              <a:rPr lang="en-US" dirty="0"/>
               <a:t> are considered</a:t>
             </a:r>
             <a:r>
-              <a:rPr lang="en-US" baseline="0" dirty="0" smtClean="0"/>
+              <a:rPr lang="en-US" baseline="0" dirty="0"/>
               <a:t> automatic attributes granting them the value of 15. This means all data collected through </a:t>
             </a:r>
             <a:r>
-              <a:rPr lang="en-US" baseline="0" dirty="0" err="1" smtClean="0"/>
+              <a:rPr lang="en-US" baseline="0" dirty="0" err="1"/>
               <a:t>Ohai</a:t>
             </a:r>
             <a:r>
-              <a:rPr lang="en-US" baseline="0" dirty="0" smtClean="0"/>
+              <a:rPr lang="en-US" baseline="0" dirty="0"/>
               <a:t> attributes cannot ever be overridden.</a:t>
             </a:r>
           </a:p>
           <a:p>
-            <a:endParaRPr lang="en-US" baseline="0" dirty="0" smtClean="0"/>
-          </a:p>
-          <a:p>
-            <a:r>
-              <a:rPr lang="en-US" baseline="0" dirty="0" smtClean="0"/>
+            <a:endParaRPr lang="en-US" baseline="0" dirty="0"/>
+          </a:p>
+          <a:p>
+            <a:r>
+              <a:rPr lang="en-US" baseline="0" dirty="0"/>
               <a:t>That should make sense based on the data that we have queried so far in this module (e.g. CPU, memory). Never would we want to have an attribute defined in a cookbook or environment override this data collected about our system. This is also important when considering whether you want to create an </a:t>
             </a:r>
             <a:r>
-              <a:rPr lang="en-US" baseline="0" dirty="0" err="1" smtClean="0"/>
+              <a:rPr lang="en-US" baseline="0" dirty="0" err="1"/>
               <a:t>Ohai</a:t>
             </a:r>
             <a:r>
-              <a:rPr lang="en-US" baseline="0" dirty="0" smtClean="0"/>
+              <a:rPr lang="en-US" baseline="0" dirty="0"/>
               <a:t> plugin. The kind of data that you want to collect should not be data that you will want to override as it is data that describes the system and not data that you want to configure the system.</a:t>
             </a:r>
             <a:endParaRPr lang="en-US" dirty="0"/>
@@ -2790,10 +2784,9 @@
               <a:defRPr/>
             </a:pPr>
             <a:r>
-              <a:rPr lang="en-US" smtClean="0"/>
+              <a:rPr lang="en-US"/>
               <a:t>Chef Intermediate</a:t>
             </a:r>
-            <a:endParaRPr lang="en-US"/>
           </a:p>
         </p:txBody>
       </p:sp>
@@ -2816,7 +2809,7 @@
               <a:defRPr/>
             </a:pPr>
             <a:r>
-              <a:rPr lang="en-US" smtClean="0"/>
+              <a:rPr lang="en-US"/>
               <a:t>Chef Software, Inc.</a:t>
             </a:r>
             <a:endParaRPr lang="en-US" dirty="0"/>
@@ -2881,27 +2874,27 @@
           <a:lstStyle/>
           <a:p>
             <a:r>
-              <a:rPr lang="en-US" dirty="0" smtClean="0"/>
+              <a:rPr lang="en-US" dirty="0"/>
               <a:t>We have seen how to use </a:t>
             </a:r>
             <a:r>
-              <a:rPr lang="en-US" dirty="0" err="1" smtClean="0"/>
+              <a:rPr lang="en-US" dirty="0" err="1"/>
               <a:t>Ohai</a:t>
             </a:r>
             <a:r>
-              <a:rPr lang="en-US" dirty="0" smtClean="0"/>
+              <a:rPr lang="en-US" dirty="0"/>
               <a:t> as</a:t>
             </a:r>
             <a:r>
-              <a:rPr lang="en-US" baseline="0" dirty="0" smtClean="0"/>
+              <a:rPr lang="en-US" baseline="0" dirty="0"/>
               <a:t> a command-line tool, explored how chef-client uses it, and seen the precedence level at which this data is stored. In the next module we will discuss </a:t>
             </a:r>
             <a:r>
-              <a:rPr lang="en-US" baseline="0" dirty="0" err="1" smtClean="0"/>
+              <a:rPr lang="en-US" baseline="0" dirty="0" err="1"/>
               <a:t>Ohai's</a:t>
             </a:r>
             <a:r>
-              <a:rPr lang="en-US" baseline="0" dirty="0" smtClean="0"/>
+              <a:rPr lang="en-US" baseline="0" dirty="0"/>
               <a:t> plugin history, its plugin structure, and the DSL (Domain Specific Language) it provides to express these plugins.</a:t>
             </a:r>
             <a:endParaRPr lang="en-US" dirty="0"/>
@@ -2927,10 +2920,9 @@
               <a:defRPr/>
             </a:pPr>
             <a:r>
-              <a:rPr lang="en-US" smtClean="0"/>
+              <a:rPr lang="en-US"/>
               <a:t>Chef Intermediate</a:t>
             </a:r>
-            <a:endParaRPr lang="en-US"/>
           </a:p>
         </p:txBody>
       </p:sp>
@@ -2953,7 +2945,7 @@
               <a:defRPr/>
             </a:pPr>
             <a:r>
-              <a:rPr lang="en-US" smtClean="0"/>
+              <a:rPr lang="en-US"/>
               <a:t>Chef Software, Inc.</a:t>
             </a:r>
             <a:endParaRPr lang="en-US" dirty="0"/>
@@ -3035,7 +3027,7 @@
               <a:defRPr/>
             </a:pPr>
             <a:r>
-              <a:rPr lang="en-US" baseline="0" dirty="0" smtClean="0"/>
+              <a:rPr lang="en-US" baseline="0" dirty="0"/>
               <a:t>Let's finish with a discussion.</a:t>
             </a:r>
           </a:p>
@@ -3057,7 +3049,7 @@
               <a:tabLst/>
               <a:defRPr/>
             </a:pPr>
-            <a:endParaRPr lang="en-US" baseline="0" dirty="0" smtClean="0"/>
+            <a:endParaRPr lang="en-US" baseline="0" dirty="0"/>
           </a:p>
           <a:p>
             <a:pPr marL="0" marR="0" indent="0" algn="l" defTabSz="1217613" rtl="0" eaLnBrk="1" fontAlgn="base" latinLnBrk="0" hangingPunct="1">
@@ -3078,10 +3070,10 @@
               <a:defRPr/>
             </a:pPr>
             <a:r>
-              <a:rPr lang="en-US" baseline="0" dirty="0" smtClean="0"/>
+              <a:rPr lang="en-US" baseline="0" dirty="0"/>
               <a:t>Instructor Note: With large groups I often find it better to have individuals turn to the individuals around them, form groups of whatever size they feel comfortable, and have them take turns asking and answering the questions. When all the groups are done I then open the discussion up to the entire group allowing each group or individuals to share their answers.</a:t>
             </a:r>
-            <a:endParaRPr lang="en-US" dirty="0" smtClean="0"/>
+            <a:endParaRPr lang="en-US" dirty="0"/>
           </a:p>
           <a:p>
             <a:endParaRPr lang="en-US" dirty="0"/>
@@ -3107,10 +3099,9 @@
               <a:defRPr/>
             </a:pPr>
             <a:r>
-              <a:rPr lang="en-US" smtClean="0"/>
+              <a:rPr lang="en-US"/>
               <a:t>Chef Intermediate</a:t>
             </a:r>
-            <a:endParaRPr lang="en-US"/>
           </a:p>
         </p:txBody>
       </p:sp>
@@ -3133,7 +3124,7 @@
               <a:defRPr/>
             </a:pPr>
             <a:r>
-              <a:rPr lang="en-US" smtClean="0"/>
+              <a:rPr lang="en-US"/>
               <a:t>Chef Software, Inc.</a:t>
             </a:r>
             <a:endParaRPr lang="en-US" dirty="0"/>
@@ -3198,14 +3189,13 @@
           <a:lstStyle/>
           <a:p>
             <a:r>
-              <a:rPr lang="en-US" dirty="0" smtClean="0"/>
+              <a:rPr lang="en-US" dirty="0"/>
               <a:t>What questions can we answer </a:t>
             </a:r>
             <a:r>
-              <a:rPr lang="en-US" smtClean="0"/>
+              <a:rPr lang="en-US"/>
               <a:t>for you?</a:t>
             </a:r>
-            <a:endParaRPr lang="en-US"/>
           </a:p>
         </p:txBody>
       </p:sp>
@@ -3228,10 +3218,9 @@
               <a:defRPr/>
             </a:pPr>
             <a:r>
-              <a:rPr lang="en-US" smtClean="0"/>
+              <a:rPr lang="en-US"/>
               <a:t>Chef Intermediate</a:t>
             </a:r>
-            <a:endParaRPr lang="en-US"/>
           </a:p>
         </p:txBody>
       </p:sp>
@@ -3254,7 +3243,7 @@
               <a:defRPr/>
             </a:pPr>
             <a:r>
-              <a:rPr lang="en-US" smtClean="0"/>
+              <a:rPr lang="en-US"/>
               <a:t>Chef Software, Inc.</a:t>
             </a:r>
             <a:endParaRPr lang="en-US" dirty="0"/>
@@ -3319,30 +3308,29 @@
           <a:lstStyle/>
           <a:p>
             <a:r>
-              <a:rPr lang="en-US" dirty="0" err="1" smtClean="0"/>
+              <a:rPr lang="en-US" dirty="0" err="1"/>
               <a:t>Ohai</a:t>
             </a:r>
             <a:r>
-              <a:rPr lang="en-US" dirty="0" smtClean="0"/>
+              <a:rPr lang="en-US" dirty="0"/>
               <a:t> is a tool that is used to detect attributes on a node, and then provide these attributes to the chef-client at the start of every chef-client run. </a:t>
             </a:r>
             <a:r>
-              <a:rPr lang="en-US" dirty="0" err="1" smtClean="0"/>
+              <a:rPr lang="en-US" dirty="0" err="1"/>
               <a:t>Ohai</a:t>
             </a:r>
             <a:r>
-              <a:rPr lang="en-US" dirty="0" smtClean="0"/>
+              <a:rPr lang="en-US" dirty="0"/>
               <a:t> is required by the chef-client and must be present on a node. (</a:t>
             </a:r>
             <a:r>
-              <a:rPr lang="en-US" dirty="0" err="1" smtClean="0"/>
+              <a:rPr lang="en-US" dirty="0" err="1"/>
               <a:t>Ohai</a:t>
             </a:r>
             <a:r>
-              <a:rPr lang="en-US" dirty="0" smtClean="0"/>
+              <a:rPr lang="en-US" dirty="0"/>
               <a:t> is installed on a node as part of the chef-client install process.)</a:t>
             </a:r>
-            <a:endParaRPr lang="en-US" dirty="0"/>
           </a:p>
         </p:txBody>
       </p:sp>
@@ -3365,10 +3353,9 @@
               <a:defRPr/>
             </a:pPr>
             <a:r>
-              <a:rPr lang="en-US" smtClean="0"/>
+              <a:rPr lang="en-US"/>
               <a:t>Chef Intermediate</a:t>
             </a:r>
-            <a:endParaRPr lang="en-US"/>
           </a:p>
         </p:txBody>
       </p:sp>
@@ -3391,7 +3378,7 @@
               <a:defRPr/>
             </a:pPr>
             <a:r>
-              <a:rPr lang="en-US" smtClean="0"/>
+              <a:rPr lang="en-US"/>
               <a:t>Chef Software, Inc.</a:t>
             </a:r>
             <a:endParaRPr lang="en-US" dirty="0"/>
@@ -3456,26 +3443,25 @@
           <a:lstStyle/>
           <a:p>
             <a:r>
-              <a:rPr lang="en-US" dirty="0" smtClean="0"/>
+              <a:rPr lang="en-US" dirty="0"/>
               <a:t>As a group we will explore using </a:t>
             </a:r>
             <a:r>
-              <a:rPr lang="en-US" dirty="0" err="1" smtClean="0"/>
+              <a:rPr lang="en-US" dirty="0" err="1"/>
               <a:t>Ohai</a:t>
             </a:r>
             <a:r>
-              <a:rPr lang="en-US" dirty="0" smtClean="0"/>
+              <a:rPr lang="en-US" dirty="0"/>
               <a:t> from the command-line then view how it is executed within a chef-client run and then talk about the attributes that it collects. We'll start with </a:t>
             </a:r>
             <a:r>
-              <a:rPr lang="en-US" dirty="0" err="1" smtClean="0"/>
+              <a:rPr lang="en-US" dirty="0" err="1"/>
               <a:t>ohai</a:t>
             </a:r>
             <a:r>
-              <a:rPr lang="en-US" dirty="0" smtClean="0"/>
+              <a:rPr lang="en-US" dirty="0"/>
               <a:t> the command-line tool.</a:t>
             </a:r>
-            <a:endParaRPr lang="en-US" dirty="0"/>
           </a:p>
         </p:txBody>
       </p:sp>
@@ -3498,10 +3484,9 @@
               <a:defRPr/>
             </a:pPr>
             <a:r>
-              <a:rPr lang="en-US" smtClean="0"/>
+              <a:rPr lang="en-US"/>
               <a:t>Chef Intermediate</a:t>
             </a:r>
-            <a:endParaRPr lang="en-US"/>
           </a:p>
         </p:txBody>
       </p:sp>
@@ -3524,7 +3509,7 @@
               <a:defRPr/>
             </a:pPr>
             <a:r>
-              <a:rPr lang="en-US" smtClean="0"/>
+              <a:rPr lang="en-US"/>
               <a:t>Chef Software, Inc.</a:t>
             </a:r>
             <a:endParaRPr lang="en-US" dirty="0"/>
@@ -3589,10 +3574,9 @@
           <a:lstStyle/>
           <a:p>
             <a:r>
-              <a:rPr lang="en-US" dirty="0" smtClean="0"/>
+              <a:rPr lang="en-US" dirty="0"/>
               <a:t>Ohai, the command-line application, will output all the system details represented in JavaScript Object Notation (JSON).</a:t>
             </a:r>
-            <a:endParaRPr lang="en-US" dirty="0"/>
           </a:p>
         </p:txBody>
       </p:sp>
@@ -3612,7 +3596,7 @@
           <a:lstStyle/>
           <a:p>
             <a:r>
-              <a:rPr lang="en-US" smtClean="0"/>
+              <a:rPr lang="en-US"/>
               <a:t>Chef Intermediate</a:t>
             </a:r>
             <a:endParaRPr lang="en-US" dirty="0"/>
@@ -3638,7 +3622,7 @@
               <a:defRPr/>
             </a:pPr>
             <a:r>
-              <a:rPr lang="en-US" smtClean="0"/>
+              <a:rPr lang="en-US"/>
               <a:t>Chef Software, Inc.</a:t>
             </a:r>
             <a:endParaRPr lang="en-US" dirty="0"/>
@@ -3703,19 +3687,19 @@
           <a:lstStyle/>
           <a:p>
             <a:r>
-              <a:rPr lang="en-US" dirty="0" smtClean="0"/>
+              <a:rPr lang="en-US" dirty="0"/>
               <a:t>Ohai is also a command-line application that is part of the </a:t>
             </a:r>
             <a:r>
-              <a:rPr lang="en-US" dirty="0" err="1" smtClean="0"/>
+              <a:rPr lang="en-US" dirty="0" err="1"/>
               <a:t>ChefDK</a:t>
             </a:r>
             <a:r>
-              <a:rPr lang="en-US" dirty="0" smtClean="0"/>
+              <a:rPr lang="en-US" dirty="0"/>
               <a:t>. When you run it</a:t>
             </a:r>
             <a:r>
-              <a:rPr lang="en-US" baseline="0" dirty="0" smtClean="0"/>
+              <a:rPr lang="en-US" baseline="0" dirty="0"/>
               <a:t> you will see the entire JSON representation of the system.</a:t>
             </a:r>
             <a:endParaRPr lang="en-US" dirty="0"/>
@@ -3738,7 +3722,7 @@
           <a:lstStyle/>
           <a:p>
             <a:r>
-              <a:rPr lang="en-US" smtClean="0"/>
+              <a:rPr lang="en-US"/>
               <a:t>Chef Intermediate</a:t>
             </a:r>
             <a:endParaRPr lang="en-US" dirty="0"/>
@@ -3764,7 +3748,7 @@
               <a:defRPr/>
             </a:pPr>
             <a:r>
-              <a:rPr lang="en-US" smtClean="0"/>
+              <a:rPr lang="en-US"/>
               <a:t>Chef Software, Inc.</a:t>
             </a:r>
             <a:endParaRPr lang="en-US" dirty="0"/>
@@ -3829,27 +3813,27 @@
           <a:lstStyle/>
           <a:p>
             <a:r>
-              <a:rPr lang="en-US" dirty="0" smtClean="0"/>
+              <a:rPr lang="en-US" dirty="0"/>
               <a:t>You</a:t>
             </a:r>
             <a:r>
-              <a:rPr lang="en-US" baseline="0" dirty="0" smtClean="0"/>
+              <a:rPr lang="en-US" baseline="0" dirty="0"/>
               <a:t> can also run </a:t>
             </a:r>
             <a:r>
-              <a:rPr lang="en-US" baseline="0" dirty="0" err="1" smtClean="0"/>
+              <a:rPr lang="en-US" baseline="0" dirty="0" err="1"/>
               <a:t>ohai</a:t>
             </a:r>
             <a:r>
-              <a:rPr lang="en-US" baseline="0" dirty="0" smtClean="0"/>
+              <a:rPr lang="en-US" baseline="0" dirty="0"/>
               <a:t> with a parameter. In this case when we want only the </a:t>
             </a:r>
             <a:r>
-              <a:rPr lang="en-US" baseline="0" dirty="0" err="1" smtClean="0"/>
+              <a:rPr lang="en-US" baseline="0" dirty="0" err="1"/>
               <a:t>ipaddress</a:t>
             </a:r>
             <a:r>
-              <a:rPr lang="en-US" baseline="0" dirty="0" smtClean="0"/>
+              <a:rPr lang="en-US" baseline="0" dirty="0"/>
               <a:t> from the entire body of information we can provide it as a parameter.</a:t>
             </a:r>
             <a:endParaRPr lang="en-US" dirty="0"/>
@@ -3872,7 +3856,7 @@
           <a:lstStyle/>
           <a:p>
             <a:r>
-              <a:rPr lang="en-US" smtClean="0"/>
+              <a:rPr lang="en-US"/>
               <a:t>Chef Intermediate</a:t>
             </a:r>
             <a:endParaRPr lang="en-US" dirty="0"/>
@@ -3898,7 +3882,7 @@
               <a:defRPr/>
             </a:pPr>
             <a:r>
-              <a:rPr lang="en-US" smtClean="0"/>
+              <a:rPr lang="en-US"/>
               <a:t>Chef Software, Inc.</a:t>
             </a:r>
             <a:endParaRPr lang="en-US" dirty="0"/>
@@ -3963,11 +3947,11 @@
           <a:lstStyle/>
           <a:p>
             <a:r>
-              <a:rPr lang="en-US" dirty="0" smtClean="0"/>
+              <a:rPr lang="en-US" dirty="0"/>
               <a:t>Similar,</a:t>
             </a:r>
             <a:r>
-              <a:rPr lang="en-US" baseline="0" dirty="0" smtClean="0"/>
+              <a:rPr lang="en-US" baseline="0" dirty="0"/>
               <a:t> we can specify the hostname to return only the hostname of the system.</a:t>
             </a:r>
             <a:endParaRPr lang="en-US" dirty="0"/>
@@ -3990,7 +3974,7 @@
           <a:lstStyle/>
           <a:p>
             <a:r>
-              <a:rPr lang="en-US" smtClean="0"/>
+              <a:rPr lang="en-US"/>
               <a:t>Chef Intermediate</a:t>
             </a:r>
             <a:endParaRPr lang="en-US" dirty="0"/>
@@ -4016,7 +4000,7 @@
               <a:defRPr/>
             </a:pPr>
             <a:r>
-              <a:rPr lang="en-US" smtClean="0"/>
+              <a:rPr lang="en-US"/>
               <a:t>Chef Software, Inc.</a:t>
             </a:r>
             <a:endParaRPr lang="en-US" dirty="0"/>
@@ -4081,11 +4065,11 @@
           <a:lstStyle/>
           <a:p>
             <a:r>
-              <a:rPr lang="en-US" dirty="0" smtClean="0"/>
+              <a:rPr lang="en-US" dirty="0"/>
               <a:t>When we ask</a:t>
             </a:r>
             <a:r>
-              <a:rPr lang="en-US" baseline="0" dirty="0" smtClean="0"/>
+              <a:rPr lang="en-US" baseline="0" dirty="0"/>
               <a:t> for the memory of the system we receive a hash that contains a number of keys and values.</a:t>
             </a:r>
             <a:endParaRPr lang="en-US" dirty="0"/>
@@ -4108,7 +4092,7 @@
           <a:lstStyle/>
           <a:p>
             <a:r>
-              <a:rPr lang="en-US" smtClean="0"/>
+              <a:rPr lang="en-US"/>
               <a:t>Chef Intermediate</a:t>
             </a:r>
             <a:endParaRPr lang="en-US" dirty="0"/>
@@ -4134,7 +4118,7 @@
               <a:defRPr/>
             </a:pPr>
             <a:r>
-              <a:rPr lang="en-US" smtClean="0"/>
+              <a:rPr lang="en-US"/>
               <a:t>Chef Software, Inc.</a:t>
             </a:r>
             <a:endParaRPr lang="en-US" dirty="0"/>
@@ -4217,7 +4201,7 @@
           </a:lstStyle>
           <a:p>
             <a:r>
-              <a:rPr lang="en-US" smtClean="0"/>
+              <a:rPr lang="en-US"/>
               <a:t>Click to edit Master title style</a:t>
             </a:r>
             <a:endParaRPr lang="en-US" dirty="0"/>
@@ -4275,7 +4259,7 @@
           <a:p>
             <a:pPr lvl="0"/>
             <a:r>
-              <a:rPr lang="en-US" smtClean="0"/>
+              <a:rPr lang="en-US"/>
               <a:t>Click to edit Master text styles</a:t>
             </a:r>
           </a:p>
@@ -4357,7 +4341,7 @@
           </a:lstStyle>
           <a:p>
             <a:r>
-              <a:rPr lang="en-US" smtClean="0"/>
+              <a:rPr lang="en-US"/>
               <a:t>Click to edit Master title style</a:t>
             </a:r>
             <a:endParaRPr lang="en-US" dirty="0"/>
@@ -4415,7 +4399,7 @@
           <a:p>
             <a:pPr lvl="0"/>
             <a:r>
-              <a:rPr lang="en-US" dirty="0" smtClean="0"/>
+              <a:rPr lang="en-US" dirty="0"/>
               <a:t>source code</a:t>
             </a:r>
           </a:p>
@@ -4461,28 +4445,28 @@
           <a:p>
             <a:pPr lvl="0"/>
             <a:r>
-              <a:rPr lang="en-US" smtClean="0"/>
+              <a:rPr lang="en-US"/>
               <a:t>Click to edit Master text styles</a:t>
             </a:r>
           </a:p>
           <a:p>
             <a:pPr lvl="1"/>
             <a:r>
-              <a:rPr lang="en-US" smtClean="0"/>
+              <a:rPr lang="en-US"/>
               <a:t>Second level</a:t>
             </a:r>
           </a:p>
           <a:p>
             <a:pPr lvl="2"/>
             <a:r>
-              <a:rPr lang="en-US" smtClean="0"/>
+              <a:rPr lang="en-US"/>
               <a:t>Third level</a:t>
             </a:r>
           </a:p>
           <a:p>
             <a:pPr lvl="3"/>
             <a:r>
-              <a:rPr lang="en-US" smtClean="0"/>
+              <a:rPr lang="en-US"/>
               <a:t>Fourth level</a:t>
             </a:r>
           </a:p>
@@ -4526,7 +4510,7 @@
           <a:p>
             <a:pPr lvl="0"/>
             <a:r>
-              <a:rPr lang="en-US" dirty="0" smtClean="0"/>
+              <a:rPr lang="en-US" dirty="0"/>
               <a:t>-</a:t>
             </a:r>
           </a:p>
@@ -4570,7 +4554,7 @@
           <a:p>
             <a:pPr lvl="0"/>
             <a:r>
-              <a:rPr lang="en-US" dirty="0" smtClean="0"/>
+              <a:rPr lang="en-US" dirty="0"/>
               <a:t>+</a:t>
             </a:r>
           </a:p>
@@ -4719,14 +4703,14 @@
           </a:ln>
           <a:extLst>
             <a:ext uri="{909E8E84-426E-40dd-AFC4-6F175D3DCCD1}">
-              <a14:hiddenFill xmlns:a14="http://schemas.microsoft.com/office/drawing/2010/main" xmlns="">
+              <a14:hiddenFill xmlns="" xmlns:a14="http://schemas.microsoft.com/office/drawing/2010/main">
                 <a:solidFill>
                   <a:srgbClr val="FFFFFF"/>
                 </a:solidFill>
               </a14:hiddenFill>
             </a:ext>
             <a:ext uri="{91240B29-F687-4f45-9708-019B960494DF}">
-              <a14:hiddenLine xmlns:a14="http://schemas.microsoft.com/office/drawing/2010/main" xmlns="" w="9525">
+              <a14:hiddenLine xmlns="" xmlns:a14="http://schemas.microsoft.com/office/drawing/2010/main" w="9525">
                 <a:solidFill>
                   <a:srgbClr val="000000"/>
                 </a:solidFill>
@@ -4874,14 +4858,14 @@
           </a:ln>
           <a:extLst>
             <a:ext uri="{909E8E84-426E-40dd-AFC4-6F175D3DCCD1}">
-              <a14:hiddenFill xmlns:a14="http://schemas.microsoft.com/office/drawing/2010/main" xmlns="">
+              <a14:hiddenFill xmlns="" xmlns:a14="http://schemas.microsoft.com/office/drawing/2010/main">
                 <a:solidFill>
                   <a:srgbClr val="FFFFFF"/>
                 </a:solidFill>
               </a14:hiddenFill>
             </a:ext>
             <a:ext uri="{91240B29-F687-4f45-9708-019B960494DF}">
-              <a14:hiddenLine xmlns:a14="http://schemas.microsoft.com/office/drawing/2010/main" xmlns="" w="9525">
+              <a14:hiddenLine xmlns="" xmlns:a14="http://schemas.microsoft.com/office/drawing/2010/main" w="9525">
                 <a:solidFill>
                   <a:srgbClr val="000000"/>
                 </a:solidFill>
@@ -5109,21 +5093,21 @@
           <a:p>
             <a:pPr lvl="0"/>
             <a:r>
-              <a:rPr lang="en-US" smtClean="0"/>
+              <a:rPr lang="en-US"/>
               <a:t>Click to edit Master text styles</a:t>
             </a:r>
           </a:p>
           <a:p>
             <a:pPr lvl="1"/>
             <a:r>
-              <a:rPr lang="en-US" smtClean="0"/>
+              <a:rPr lang="en-US"/>
               <a:t>Second level</a:t>
             </a:r>
           </a:p>
           <a:p>
             <a:pPr lvl="2"/>
             <a:r>
-              <a:rPr lang="en-US" smtClean="0"/>
+              <a:rPr lang="en-US"/>
               <a:t>Third level</a:t>
             </a:r>
           </a:p>
@@ -5169,21 +5153,21 @@
           <a:p>
             <a:pPr lvl="0"/>
             <a:r>
-              <a:rPr lang="en-US" smtClean="0"/>
+              <a:rPr lang="en-US"/>
               <a:t>Click to edit Master text styles</a:t>
             </a:r>
           </a:p>
           <a:p>
             <a:pPr lvl="1"/>
             <a:r>
-              <a:rPr lang="en-US" smtClean="0"/>
+              <a:rPr lang="en-US"/>
               <a:t>Second level</a:t>
             </a:r>
           </a:p>
           <a:p>
             <a:pPr lvl="2"/>
             <a:r>
-              <a:rPr lang="en-US" smtClean="0"/>
+              <a:rPr lang="en-US"/>
               <a:t>Third level</a:t>
             </a:r>
           </a:p>
@@ -5223,7 +5207,7 @@
           <a:p>
             <a:pPr lvl="0"/>
             <a:r>
-              <a:rPr lang="en-US" dirty="0" smtClean="0"/>
+              <a:rPr lang="en-US" dirty="0"/>
               <a:t>A</a:t>
             </a:r>
           </a:p>
@@ -5263,7 +5247,7 @@
           <a:p>
             <a:pPr lvl="0"/>
             <a:r>
-              <a:rPr lang="en-US" dirty="0" smtClean="0"/>
+              <a:rPr lang="en-US" dirty="0"/>
               <a:t>B</a:t>
             </a:r>
           </a:p>
@@ -5372,14 +5356,14 @@
           </a:ln>
           <a:extLst>
             <a:ext uri="{909E8E84-426E-40dd-AFC4-6F175D3DCCD1}">
-              <a14:hiddenFill xmlns:a14="http://schemas.microsoft.com/office/drawing/2010/main" xmlns="">
+              <a14:hiddenFill xmlns="" xmlns:a14="http://schemas.microsoft.com/office/drawing/2010/main">
                 <a:solidFill>
                   <a:srgbClr val="FFFFFF"/>
                 </a:solidFill>
               </a14:hiddenFill>
             </a:ext>
             <a:ext uri="{91240B29-F687-4f45-9708-019B960494DF}">
-              <a14:hiddenLine xmlns:a14="http://schemas.microsoft.com/office/drawing/2010/main" xmlns="" w="9525">
+              <a14:hiddenLine xmlns="" xmlns:a14="http://schemas.microsoft.com/office/drawing/2010/main" w="9525">
                 <a:solidFill>
                   <a:srgbClr val="000000"/>
                 </a:solidFill>
@@ -5542,10 +5526,9 @@
           </a:lstStyle>
           <a:p>
             <a:r>
-              <a:rPr lang="en-US" dirty="0" smtClean="0"/>
+              <a:rPr lang="en-US" dirty="0"/>
               <a:t>Motivation</a:t>
             </a:r>
-            <a:endParaRPr lang="en-US" dirty="0"/>
           </a:p>
         </p:txBody>
       </p:sp>
@@ -5672,7 +5655,7 @@
           </a:lstStyle>
           <a:p>
             <a:r>
-              <a:rPr lang="en-US" dirty="0" smtClean="0"/>
+              <a:rPr lang="en-US" dirty="0"/>
               <a:t>Click to edit Master subtitle style</a:t>
             </a:r>
           </a:p>
@@ -5829,10 +5812,9 @@
           </a:lstStyle>
           <a:p>
             <a:r>
-              <a:rPr lang="en-US" dirty="0" smtClean="0"/>
+              <a:rPr lang="en-US" dirty="0"/>
               <a:t>Problem</a:t>
             </a:r>
-            <a:endParaRPr lang="en-US" dirty="0"/>
           </a:p>
         </p:txBody>
       </p:sp>
@@ -5959,7 +5941,7 @@
           </a:lstStyle>
           <a:p>
             <a:r>
-              <a:rPr lang="en-US" dirty="0" smtClean="0"/>
+              <a:rPr lang="en-US" dirty="0"/>
               <a:t>Click to edit Master subtitle style</a:t>
             </a:r>
           </a:p>
@@ -6032,7 +6014,7 @@
               <a:defRPr/>
             </a:pPr>
             <a:r>
-              <a:rPr lang="en-US" sz="16933" dirty="0" smtClean="0">
+              <a:rPr lang="en-US" sz="16933" dirty="0">
                 <a:ln w="18415" cmpd="sng">
                   <a:solidFill>
                     <a:srgbClr val="FFFFFF"/>
@@ -6051,23 +6033,6 @@
               </a:rPr>
               <a:t>REFERENCE</a:t>
             </a:r>
-            <a:endParaRPr lang="en-US" sz="16933" dirty="0">
-              <a:ln w="18415" cmpd="sng">
-                <a:solidFill>
-                  <a:srgbClr val="FFFFFF"/>
-                </a:solidFill>
-                <a:prstDash val="solid"/>
-              </a:ln>
-              <a:solidFill>
-                <a:schemeClr val="bg2">
-                  <a:lumMod val="95000"/>
-                  <a:alpha val="50000"/>
-                </a:schemeClr>
-              </a:solidFill>
-              <a:latin typeface="+mn-lt"/>
-              <a:ea typeface="+mn-ea"/>
-              <a:cs typeface="+mn-cs"/>
-            </a:endParaRPr>
           </a:p>
         </p:txBody>
       </p:sp>
@@ -6133,10 +6098,9 @@
           </a:lstStyle>
           <a:p>
             <a:r>
-              <a:rPr lang="en-US" dirty="0" smtClean="0"/>
+              <a:rPr lang="en-US" dirty="0"/>
               <a:t>Documentation</a:t>
             </a:r>
-            <a:endParaRPr lang="en-US" dirty="0"/>
           </a:p>
         </p:txBody>
       </p:sp>
@@ -6263,7 +6227,7 @@
           </a:lstStyle>
           <a:p>
             <a:r>
-              <a:rPr lang="en-US" dirty="0" smtClean="0"/>
+              <a:rPr lang="en-US" dirty="0"/>
               <a:t>Click to edit Master subtitle style</a:t>
             </a:r>
           </a:p>
@@ -6303,14 +6267,14 @@
           <a:p>
             <a:pPr lvl="0"/>
             <a:r>
-              <a:rPr lang="en-US" dirty="0" smtClean="0"/>
+              <a:rPr lang="en-US" dirty="0"/>
               <a:t>http://</a:t>
             </a:r>
             <a:r>
-              <a:rPr lang="en-US" dirty="0" err="1" smtClean="0"/>
+              <a:rPr lang="en-US" dirty="0" err="1"/>
               <a:t>docs.chef.io</a:t>
             </a:r>
-            <a:endParaRPr lang="en-US" dirty="0" smtClean="0"/>
+            <a:endParaRPr lang="en-US" dirty="0"/>
           </a:p>
         </p:txBody>
       </p:sp>
@@ -6465,10 +6429,9 @@
           </a:lstStyle>
           <a:p>
             <a:r>
-              <a:rPr lang="en-US" dirty="0" smtClean="0"/>
+              <a:rPr lang="en-US" dirty="0"/>
               <a:t>Concept</a:t>
             </a:r>
-            <a:endParaRPr lang="en-US" dirty="0"/>
           </a:p>
         </p:txBody>
       </p:sp>
@@ -6595,7 +6558,7 @@
           </a:lstStyle>
           <a:p>
             <a:r>
-              <a:rPr lang="en-US" dirty="0" smtClean="0"/>
+              <a:rPr lang="en-US" dirty="0"/>
               <a:t>Click to edit Master subtitle style</a:t>
             </a:r>
           </a:p>
@@ -6752,10 +6715,9 @@
           </a:lstStyle>
           <a:p>
             <a:r>
-              <a:rPr lang="en-US" dirty="0" smtClean="0"/>
+              <a:rPr lang="en-US" dirty="0"/>
               <a:t>Group Exercise</a:t>
             </a:r>
-            <a:endParaRPr lang="en-US" dirty="0"/>
           </a:p>
         </p:txBody>
       </p:sp>
@@ -6800,7 +6762,7 @@
           <a:p>
             <a:pPr lvl="0"/>
             <a:r>
-              <a:rPr lang="en-US" dirty="0" smtClean="0"/>
+              <a:rPr lang="en-US" dirty="0"/>
               <a:t>Click to edit Master text styles</a:t>
             </a:r>
           </a:p>
@@ -6828,14 +6790,14 @@
           </a:ln>
           <a:extLst>
             <a:ext uri="{909E8E84-426E-40dd-AFC4-6F175D3DCCD1}">
-              <a14:hiddenFill xmlns:a14="http://schemas.microsoft.com/office/drawing/2010/main" xmlns="">
+              <a14:hiddenFill xmlns="" xmlns:a14="http://schemas.microsoft.com/office/drawing/2010/main">
                 <a:solidFill>
                   <a:srgbClr val="FFFFFF"/>
                 </a:solidFill>
               </a14:hiddenFill>
             </a:ext>
             <a:ext uri="{91240B29-F687-4f45-9708-019B960494DF}">
-              <a14:hiddenLine xmlns:a14="http://schemas.microsoft.com/office/drawing/2010/main" xmlns="" w="9525">
+              <a14:hiddenLine xmlns="" xmlns:a14="http://schemas.microsoft.com/office/drawing/2010/main" w="9525">
                 <a:solidFill>
                   <a:srgbClr val="000000"/>
                 </a:solidFill>
@@ -6995,28 +6957,28 @@
           <a:p>
             <a:pPr lvl="0"/>
             <a:r>
-              <a:rPr lang="en-US" dirty="0" smtClean="0"/>
+              <a:rPr lang="en-US" dirty="0"/>
               <a:t>Click to edit Master text styles</a:t>
             </a:r>
           </a:p>
           <a:p>
             <a:pPr lvl="1"/>
             <a:r>
-              <a:rPr lang="en-US" dirty="0" smtClean="0"/>
+              <a:rPr lang="en-US" dirty="0"/>
               <a:t>Second level</a:t>
             </a:r>
           </a:p>
           <a:p>
             <a:pPr lvl="2"/>
             <a:r>
-              <a:rPr lang="en-US" dirty="0" smtClean="0"/>
+              <a:rPr lang="en-US" dirty="0"/>
               <a:t>Third level</a:t>
             </a:r>
           </a:p>
           <a:p>
             <a:pPr lvl="3"/>
             <a:r>
-              <a:rPr lang="en-US" dirty="0" smtClean="0"/>
+              <a:rPr lang="en-US" dirty="0"/>
               <a:t>Fourth level</a:t>
             </a:r>
           </a:p>
@@ -7173,10 +7135,9 @@
           </a:lstStyle>
           <a:p>
             <a:r>
-              <a:rPr lang="en-US" dirty="0" smtClean="0"/>
+              <a:rPr lang="en-US" dirty="0"/>
               <a:t>Lab</a:t>
             </a:r>
-            <a:endParaRPr lang="en-US" dirty="0"/>
           </a:p>
         </p:txBody>
       </p:sp>
@@ -7304,7 +7265,7 @@
           </a:lstStyle>
           <a:p>
             <a:r>
-              <a:rPr lang="en-US" dirty="0" smtClean="0"/>
+              <a:rPr lang="en-US" dirty="0"/>
               <a:t>Click to edit Master subtitle style</a:t>
             </a:r>
           </a:p>
@@ -7461,10 +7422,9 @@
           </a:lstStyle>
           <a:p>
             <a:r>
-              <a:rPr lang="en-US" dirty="0" smtClean="0"/>
+              <a:rPr lang="en-US" dirty="0"/>
               <a:t>Commit</a:t>
             </a:r>
-            <a:endParaRPr lang="en-US" dirty="0"/>
           </a:p>
         </p:txBody>
       </p:sp>
@@ -7593,30 +7553,30 @@
           </a:lstStyle>
           <a:p>
             <a:r>
-              <a:rPr lang="en-US" dirty="0" smtClean="0"/>
+              <a:rPr lang="en-US" dirty="0"/>
               <a:t>$ cd repo</a:t>
             </a:r>
           </a:p>
           <a:p>
             <a:r>
-              <a:rPr lang="en-US" dirty="0" smtClean="0"/>
+              <a:rPr lang="en-US" dirty="0"/>
               <a:t>$ git </a:t>
             </a:r>
             <a:r>
-              <a:rPr lang="en-US" dirty="0" err="1" smtClean="0"/>
+              <a:rPr lang="en-US" dirty="0" err="1"/>
               <a:t>init</a:t>
             </a:r>
-            <a:endParaRPr lang="en-US" dirty="0" smtClean="0"/>
-          </a:p>
-          <a:p>
-            <a:r>
-              <a:rPr lang="en-US" dirty="0" smtClean="0"/>
+            <a:endParaRPr lang="en-US" dirty="0"/>
+          </a:p>
+          <a:p>
+            <a:r>
+              <a:rPr lang="en-US" dirty="0"/>
               <a:t>$ git add .</a:t>
             </a:r>
           </a:p>
           <a:p>
             <a:r>
-              <a:rPr lang="en-US" dirty="0" smtClean="0"/>
+              <a:rPr lang="en-US" dirty="0"/>
               <a:t>$ git commit -m "Work Complete"</a:t>
             </a:r>
           </a:p>
@@ -7687,7 +7647,7 @@
           <a:lstStyle/>
           <a:p>
             <a:r>
-              <a:rPr lang="en-US" smtClean="0"/>
+              <a:rPr lang="en-US"/>
               <a:t>Click to edit Master title style</a:t>
             </a:r>
             <a:endParaRPr lang="en-US" dirty="0"/>
@@ -7779,21 +7739,21 @@
           <a:p>
             <a:pPr lvl="0"/>
             <a:r>
-              <a:rPr lang="en-US" smtClean="0"/>
+              <a:rPr lang="en-US"/>
               <a:t>Click to edit Master text styles</a:t>
             </a:r>
           </a:p>
           <a:p>
             <a:pPr lvl="1"/>
             <a:r>
-              <a:rPr lang="en-US" smtClean="0"/>
+              <a:rPr lang="en-US"/>
               <a:t>Second level</a:t>
             </a:r>
           </a:p>
           <a:p>
             <a:pPr lvl="2"/>
             <a:r>
-              <a:rPr lang="en-US" smtClean="0"/>
+              <a:rPr lang="en-US"/>
               <a:t>Third level</a:t>
             </a:r>
           </a:p>
@@ -7866,7 +7826,7 @@
               <a:defRPr/>
             </a:pPr>
             <a:r>
-              <a:rPr lang="en-US" sz="16933" dirty="0" smtClean="0">
+              <a:rPr lang="en-US" sz="16933" dirty="0">
                 <a:ln w="18415" cmpd="sng">
                   <a:solidFill>
                     <a:srgbClr val="FFFFFF"/>
@@ -7885,23 +7845,6 @@
               </a:rPr>
               <a:t>DISCUSSION</a:t>
             </a:r>
-            <a:endParaRPr lang="en-US" sz="16933" dirty="0">
-              <a:ln w="18415" cmpd="sng">
-                <a:solidFill>
-                  <a:srgbClr val="FFFFFF"/>
-                </a:solidFill>
-                <a:prstDash val="solid"/>
-              </a:ln>
-              <a:solidFill>
-                <a:schemeClr val="bg2">
-                  <a:lumMod val="95000"/>
-                  <a:alpha val="50000"/>
-                </a:schemeClr>
-              </a:solidFill>
-              <a:latin typeface="+mn-lt"/>
-              <a:ea typeface="+mn-ea"/>
-              <a:cs typeface="+mn-cs"/>
-            </a:endParaRPr>
           </a:p>
         </p:txBody>
       </p:sp>
@@ -7967,10 +7910,9 @@
           </a:lstStyle>
           <a:p>
             <a:r>
-              <a:rPr lang="en-US" dirty="0" smtClean="0"/>
+              <a:rPr lang="en-US" dirty="0"/>
               <a:t>Discussion</a:t>
             </a:r>
-            <a:endParaRPr lang="en-US" dirty="0"/>
           </a:p>
         </p:txBody>
       </p:sp>
@@ -8097,7 +8039,7 @@
           </a:lstStyle>
           <a:p>
             <a:r>
-              <a:rPr lang="en-US" dirty="0" smtClean="0"/>
+              <a:rPr lang="en-US" dirty="0"/>
               <a:t>Questions</a:t>
             </a:r>
           </a:p>
@@ -8189,14 +8131,14 @@
           </a:ln>
           <a:extLst>
             <a:ext uri="{909E8E84-426E-40dd-AFC4-6F175D3DCCD1}">
-              <a14:hiddenFill xmlns:a14="http://schemas.microsoft.com/office/drawing/2010/main" xmlns="">
+              <a14:hiddenFill xmlns="" xmlns:a14="http://schemas.microsoft.com/office/drawing/2010/main">
                 <a:solidFill>
                   <a:srgbClr val="FFFFFF"/>
                 </a:solidFill>
               </a14:hiddenFill>
             </a:ext>
             <a:ext uri="{91240B29-F687-4f45-9708-019B960494DF}">
-              <a14:hiddenLine xmlns:a14="http://schemas.microsoft.com/office/drawing/2010/main" xmlns="" w="9525">
+              <a14:hiddenLine xmlns="" xmlns:a14="http://schemas.microsoft.com/office/drawing/2010/main" w="9525">
                 <a:solidFill>
                   <a:srgbClr val="000000"/>
                 </a:solidFill>
@@ -8328,7 +8270,7 @@
           <a:p>
             <a:pPr lvl="0"/>
             <a:r>
-              <a:rPr lang="en-US" dirty="0" smtClean="0"/>
+              <a:rPr lang="en-US" dirty="0"/>
               <a:t>RESULT</a:t>
             </a:r>
           </a:p>
@@ -8375,7 +8317,7 @@
           <a:p>
             <a:pPr lvl="0"/>
             <a:r>
-              <a:rPr lang="en-US" dirty="0" smtClean="0"/>
+              <a:rPr lang="en-US" dirty="0"/>
               <a:t>&gt; command</a:t>
             </a:r>
           </a:p>
@@ -8427,7 +8369,7 @@
           <a:p>
             <a:pPr lvl="0"/>
             <a:r>
-              <a:rPr lang="en-US" dirty="0" smtClean="0"/>
+              <a:rPr lang="en-US" dirty="0"/>
               <a:t> </a:t>
             </a:r>
           </a:p>
@@ -8455,7 +8397,7 @@
           </a:lstStyle>
           <a:p>
             <a:r>
-              <a:rPr lang="en-US" smtClean="0"/>
+              <a:rPr lang="en-US"/>
               <a:t>Click to edit Master title style</a:t>
             </a:r>
             <a:endParaRPr lang="en-US" dirty="0"/>
@@ -8538,7 +8480,7 @@
           </a:lstStyle>
           <a:p>
             <a:r>
-              <a:rPr lang="en-US" smtClean="0"/>
+              <a:rPr lang="en-US"/>
               <a:t>Click to edit Master title style</a:t>
             </a:r>
             <a:endParaRPr lang="en-US" dirty="0"/>
@@ -8602,7 +8544,7 @@
           <a:p>
             <a:pPr lvl="0"/>
             <a:r>
-              <a:rPr lang="en-US" dirty="0" smtClean="0"/>
+              <a:rPr lang="en-US" dirty="0"/>
               <a:t>command or result</a:t>
             </a:r>
           </a:p>
@@ -8648,21 +8590,21 @@
           <a:p>
             <a:pPr lvl="0"/>
             <a:r>
-              <a:rPr lang="en-US" smtClean="0"/>
+              <a:rPr lang="en-US"/>
               <a:t>Click to edit Master text styles</a:t>
             </a:r>
           </a:p>
           <a:p>
             <a:pPr lvl="1"/>
             <a:r>
-              <a:rPr lang="en-US" smtClean="0"/>
+              <a:rPr lang="en-US"/>
               <a:t>Second level</a:t>
             </a:r>
           </a:p>
           <a:p>
             <a:pPr lvl="2"/>
             <a:r>
-              <a:rPr lang="en-US" smtClean="0"/>
+              <a:rPr lang="en-US"/>
               <a:t>Third level</a:t>
             </a:r>
           </a:p>
@@ -8754,14 +8696,14 @@
           </a:ln>
           <a:extLst>
             <a:ext uri="{909E8E84-426E-40dd-AFC4-6F175D3DCCD1}">
-              <a14:hiddenFill xmlns:a14="http://schemas.microsoft.com/office/drawing/2010/main" xmlns="">
+              <a14:hiddenFill xmlns="" xmlns:a14="http://schemas.microsoft.com/office/drawing/2010/main">
                 <a:solidFill>
                   <a:srgbClr val="FFFFFF"/>
                 </a:solidFill>
               </a14:hiddenFill>
             </a:ext>
             <a:ext uri="{91240B29-F687-4f45-9708-019B960494DF}">
-              <a14:hiddenLine xmlns:a14="http://schemas.microsoft.com/office/drawing/2010/main" xmlns="" w="9525">
+              <a14:hiddenLine xmlns="" xmlns:a14="http://schemas.microsoft.com/office/drawing/2010/main" w="9525">
                 <a:solidFill>
                   <a:srgbClr val="000000"/>
                 </a:solidFill>
@@ -8833,7 +8775,7 @@
           </a:lstStyle>
           <a:p>
             <a:r>
-              <a:rPr lang="en-US" smtClean="0"/>
+              <a:rPr lang="en-US"/>
               <a:t>Click to edit Master title style</a:t>
             </a:r>
             <a:endParaRPr lang="en-US" dirty="0"/>
@@ -8927,7 +8869,7 @@
           <a:p>
             <a:pPr lvl="0"/>
             <a:r>
-              <a:rPr lang="en-US" dirty="0" smtClean="0"/>
+              <a:rPr lang="en-US" dirty="0"/>
               <a:t>RESULT</a:t>
             </a:r>
           </a:p>
@@ -8976,7 +8918,7 @@
           <a:p>
             <a:pPr lvl="0"/>
             <a:r>
-              <a:rPr lang="en-US" dirty="0" smtClean="0"/>
+              <a:rPr lang="en-US" dirty="0"/>
               <a:t>&gt; command</a:t>
             </a:r>
           </a:p>
@@ -9028,7 +8970,7 @@
           <a:p>
             <a:pPr lvl="0"/>
             <a:r>
-              <a:rPr lang="en-US" dirty="0" smtClean="0"/>
+              <a:rPr lang="en-US" dirty="0"/>
               <a:t> </a:t>
             </a:r>
           </a:p>
@@ -9110,7 +9052,7 @@
           </a:lstStyle>
           <a:p>
             <a:r>
-              <a:rPr lang="en-US" smtClean="0"/>
+              <a:rPr lang="en-US"/>
               <a:t>Click to edit Master title style</a:t>
             </a:r>
             <a:endParaRPr lang="en-US" dirty="0"/>
@@ -9176,7 +9118,7 @@
           <a:p>
             <a:pPr lvl="0"/>
             <a:r>
-              <a:rPr lang="en-US" dirty="0" smtClean="0"/>
+              <a:rPr lang="en-US" dirty="0"/>
               <a:t>command or result</a:t>
             </a:r>
           </a:p>
@@ -9222,21 +9164,21 @@
           <a:p>
             <a:pPr lvl="0"/>
             <a:r>
-              <a:rPr lang="en-US" smtClean="0"/>
+              <a:rPr lang="en-US"/>
               <a:t>Click to edit Master text styles</a:t>
             </a:r>
           </a:p>
           <a:p>
             <a:pPr lvl="1"/>
             <a:r>
-              <a:rPr lang="en-US" smtClean="0"/>
+              <a:rPr lang="en-US"/>
               <a:t>Second level</a:t>
             </a:r>
           </a:p>
           <a:p>
             <a:pPr lvl="2"/>
             <a:r>
-              <a:rPr lang="en-US" smtClean="0"/>
+              <a:rPr lang="en-US"/>
               <a:t>Third level</a:t>
             </a:r>
           </a:p>
@@ -9328,14 +9270,14 @@
           </a:ln>
           <a:extLst>
             <a:ext uri="{909E8E84-426E-40dd-AFC4-6F175D3DCCD1}">
-              <a14:hiddenFill xmlns:a14="http://schemas.microsoft.com/office/drawing/2010/main" xmlns="">
+              <a14:hiddenFill xmlns="" xmlns:a14="http://schemas.microsoft.com/office/drawing/2010/main">
                 <a:solidFill>
                   <a:srgbClr val="FFFFFF"/>
                 </a:solidFill>
               </a14:hiddenFill>
             </a:ext>
             <a:ext uri="{91240B29-F687-4f45-9708-019B960494DF}">
-              <a14:hiddenLine xmlns:a14="http://schemas.microsoft.com/office/drawing/2010/main" xmlns="" w="9525">
+              <a14:hiddenLine xmlns="" xmlns:a14="http://schemas.microsoft.com/office/drawing/2010/main" w="9525">
                 <a:solidFill>
                   <a:srgbClr val="000000"/>
                 </a:solidFill>
@@ -9372,7 +9314,7 @@
           </a:lstStyle>
           <a:p>
             <a:r>
-              <a:rPr lang="en-US" smtClean="0"/>
+              <a:rPr lang="en-US"/>
               <a:t>Click to edit Master title style</a:t>
             </a:r>
             <a:endParaRPr lang="en-US" dirty="0"/>
@@ -9442,7 +9384,7 @@
           <a:p>
             <a:pPr lvl="0"/>
             <a:r>
-              <a:rPr lang="en-US" dirty="0" smtClean="0"/>
+              <a:rPr lang="en-US" dirty="0"/>
               <a:t>SOURCE</a:t>
             </a:r>
           </a:p>
@@ -9486,22 +9428,22 @@
           <a:p>
             <a:pPr lvl="0"/>
             <a:r>
-              <a:rPr lang="en-US" dirty="0" smtClean="0"/>
+              <a:rPr lang="en-US" dirty="0"/>
               <a:t>/</a:t>
             </a:r>
             <a:r>
-              <a:rPr lang="en-US" dirty="0" err="1" smtClean="0"/>
+              <a:rPr lang="en-US" dirty="0" err="1"/>
               <a:t>filepath</a:t>
             </a:r>
             <a:r>
-              <a:rPr lang="en-US" dirty="0" smtClean="0"/>
+              <a:rPr lang="en-US" dirty="0"/>
               <a:t>/</a:t>
             </a:r>
             <a:r>
-              <a:rPr lang="en-US" dirty="0" err="1" smtClean="0"/>
+              <a:rPr lang="en-US" dirty="0" err="1"/>
               <a:t>file.rb</a:t>
             </a:r>
-            <a:endParaRPr lang="en-US" dirty="0" smtClean="0"/>
+            <a:endParaRPr lang="en-US" dirty="0"/>
           </a:p>
         </p:txBody>
       </p:sp>
@@ -9543,7 +9485,7 @@
           <a:p>
             <a:pPr lvl="0"/>
             <a:r>
-              <a:rPr lang="en-US" dirty="0" smtClean="0"/>
+              <a:rPr lang="en-US" dirty="0"/>
               <a:t>-</a:t>
             </a:r>
           </a:p>
@@ -9587,7 +9529,7 @@
           <a:p>
             <a:pPr lvl="0"/>
             <a:r>
-              <a:rPr lang="en-US" dirty="0" smtClean="0"/>
+              <a:rPr lang="en-US" dirty="0"/>
               <a:t>+</a:t>
             </a:r>
           </a:p>
@@ -9669,7 +9611,7 @@
           </a:lstStyle>
           <a:p>
             <a:r>
-              <a:rPr lang="en-US" smtClean="0"/>
+              <a:rPr lang="en-US"/>
               <a:t>Click to edit Master title style</a:t>
             </a:r>
             <a:endParaRPr lang="en-US" dirty="0"/>
@@ -9727,7 +9669,7 @@
           <a:p>
             <a:pPr lvl="0"/>
             <a:r>
-              <a:rPr lang="en-US" dirty="0" smtClean="0"/>
+              <a:rPr lang="en-US" dirty="0"/>
               <a:t>source code without a file</a:t>
             </a:r>
           </a:p>
@@ -9771,7 +9713,7 @@
           <a:p>
             <a:pPr lvl="0"/>
             <a:r>
-              <a:rPr lang="en-US" dirty="0" smtClean="0"/>
+              <a:rPr lang="en-US" dirty="0"/>
               <a:t>-</a:t>
             </a:r>
           </a:p>
@@ -9815,7 +9757,7 @@
           <a:p>
             <a:pPr lvl="0"/>
             <a:r>
-              <a:rPr lang="en-US" dirty="0" smtClean="0"/>
+              <a:rPr lang="en-US" dirty="0"/>
               <a:t>+</a:t>
             </a:r>
           </a:p>
@@ -9897,7 +9839,7 @@
           </a:lstStyle>
           <a:p>
             <a:r>
-              <a:rPr lang="en-US" smtClean="0"/>
+              <a:rPr lang="en-US"/>
               <a:t>Click to edit Master title style</a:t>
             </a:r>
             <a:endParaRPr lang="en-US" dirty="0"/>
@@ -9955,7 +9897,7 @@
           <a:p>
             <a:pPr lvl="0"/>
             <a:r>
-              <a:rPr lang="en-US" dirty="0" smtClean="0"/>
+              <a:rPr lang="en-US" dirty="0"/>
               <a:t>source code</a:t>
             </a:r>
           </a:p>
@@ -10001,21 +9943,21 @@
           <a:p>
             <a:pPr lvl="0"/>
             <a:r>
-              <a:rPr lang="en-US" smtClean="0"/>
+              <a:rPr lang="en-US"/>
               <a:t>Click to edit Master text styles</a:t>
             </a:r>
           </a:p>
           <a:p>
             <a:pPr lvl="1"/>
             <a:r>
-              <a:rPr lang="en-US" smtClean="0"/>
+              <a:rPr lang="en-US"/>
               <a:t>Second level</a:t>
             </a:r>
           </a:p>
           <a:p>
             <a:pPr lvl="2"/>
             <a:r>
-              <a:rPr lang="en-US" smtClean="0"/>
+              <a:rPr lang="en-US"/>
               <a:t>Third level</a:t>
             </a:r>
           </a:p>
@@ -10059,7 +10001,7 @@
           <a:p>
             <a:pPr lvl="0"/>
             <a:r>
-              <a:rPr lang="en-US" dirty="0" smtClean="0"/>
+              <a:rPr lang="en-US" dirty="0"/>
               <a:t>-</a:t>
             </a:r>
           </a:p>
@@ -10103,7 +10045,7 @@
           <a:p>
             <a:pPr lvl="0"/>
             <a:r>
-              <a:rPr lang="en-US" dirty="0" smtClean="0"/>
+              <a:rPr lang="en-US" dirty="0"/>
               <a:t>+</a:t>
             </a:r>
           </a:p>
@@ -10186,7 +10128,7 @@
           <a:lstStyle/>
           <a:p>
             <a:r>
-              <a:rPr lang="en-CA" dirty="0" smtClean="0"/>
+              <a:rPr lang="en-CA" dirty="0"/>
               <a:t>Title Text</a:t>
             </a:r>
             <a:endParaRPr lang="en-US" dirty="0"/>
@@ -10220,21 +10162,21 @@
           <a:p>
             <a:pPr lvl="0"/>
             <a:r>
-              <a:rPr lang="en-US" dirty="0" smtClean="0"/>
+              <a:rPr lang="en-US" dirty="0"/>
               <a:t>Click to edit Master text styles</a:t>
             </a:r>
           </a:p>
           <a:p>
             <a:pPr lvl="1"/>
             <a:r>
-              <a:rPr lang="en-US" dirty="0" smtClean="0"/>
+              <a:rPr lang="en-US" dirty="0"/>
               <a:t>Second level</a:t>
             </a:r>
           </a:p>
           <a:p>
             <a:pPr lvl="2"/>
             <a:r>
-              <a:rPr lang="en-US" dirty="0" smtClean="0"/>
+              <a:rPr lang="en-US" dirty="0"/>
               <a:t>Third level</a:t>
             </a:r>
           </a:p>
@@ -10275,14 +10217,14 @@
           </a:ln>
           <a:extLst>
             <a:ext uri="{909E8E84-426E-40dd-AFC4-6F175D3DCCD1}">
-              <a14:hiddenFill xmlns:a14="http://schemas.microsoft.com/office/drawing/2010/main" xmlns="">
+              <a14:hiddenFill xmlns="" xmlns:a14="http://schemas.microsoft.com/office/drawing/2010/main">
                 <a:solidFill>
                   <a:srgbClr val="FFFFFF"/>
                 </a:solidFill>
               </a14:hiddenFill>
             </a:ext>
             <a:ext uri="{91240B29-F687-4f45-9708-019B960494DF}">
-              <a14:hiddenLine xmlns:a14="http://schemas.microsoft.com/office/drawing/2010/main" xmlns="" w="9525">
+              <a14:hiddenLine xmlns="" xmlns:a14="http://schemas.microsoft.com/office/drawing/2010/main" w="9525">
                 <a:solidFill>
                   <a:srgbClr val="000000"/>
                 </a:solidFill>
@@ -10362,7 +10304,7 @@
               <a:defRPr/>
             </a:pPr>
             <a:r>
-              <a:rPr lang="en-US" dirty="0" smtClean="0">
+              <a:rPr lang="en-US" dirty="0">
                 <a:solidFill>
                   <a:srgbClr val="7D868C"/>
                 </a:solidFill>
@@ -10373,7 +10315,7 @@
               <a:t>©</a:t>
             </a:r>
             <a:r>
-              <a:rPr lang="is-IS" dirty="0" smtClean="0">
+              <a:rPr lang="is-IS" dirty="0">
                 <a:solidFill>
                   <a:srgbClr val="7D868C"/>
                 </a:solidFill>
@@ -10384,7 +10326,7 @@
               <a:t>2017</a:t>
             </a:r>
             <a:r>
-              <a:rPr lang="en-US" dirty="0" smtClean="0">
+              <a:rPr lang="en-US" dirty="0">
                 <a:solidFill>
                   <a:srgbClr val="7D868C"/>
                 </a:solidFill>
@@ -10392,18 +10334,7 @@
                 <a:ea typeface="+mn-ea"/>
                 <a:cs typeface="+mn-cs"/>
               </a:rPr>
-              <a:t> </a:t>
-            </a:r>
-            <a:r>
-              <a:rPr lang="en-US" dirty="0">
-                <a:solidFill>
-                  <a:srgbClr val="7D868C"/>
-                </a:solidFill>
-                <a:latin typeface="+mn-lt"/>
-                <a:ea typeface="+mn-ea"/>
-                <a:cs typeface="+mn-cs"/>
-              </a:rPr>
-              <a:t>Chef Software Inc</a:t>
+              <a:t> Chef Software Inc</a:t>
             </a:r>
             <a:r>
               <a:rPr lang="en-US" dirty="0">
@@ -10463,7 +10394,7 @@
               <a:defRPr/>
             </a:pPr>
             <a:r>
-              <a:rPr lang="en-US" dirty="0" smtClean="0">
+              <a:rPr lang="en-US" dirty="0">
                 <a:solidFill>
                   <a:srgbClr val="7F7F7F"/>
                 </a:solidFill>
@@ -10524,13 +10455,6 @@
   <p:transition spd="med">
     <p:fade/>
   </p:transition>
-  <p:timing>
-    <p:tnLst>
-      <p:par>
-        <p:cTn id="1" dur="indefinite" restart="never" nodeType="tmRoot"/>
-      </p:par>
-    </p:tnLst>
-  </p:timing>
   <p:hf hdr="0" dt="0"/>
   <p:txStyles>
     <p:titleStyle>
@@ -11013,7 +10937,7 @@
           <a:lstStyle/>
           <a:p>
             <a:r>
-              <a:rPr lang="en-CA" dirty="0" smtClean="0"/>
+              <a:rPr lang="en-CA" dirty="0"/>
               <a:t>Title Text</a:t>
             </a:r>
             <a:endParaRPr lang="en-US" dirty="0"/>
@@ -11055,14 +10979,14 @@
           </a:ln>
           <a:extLst>
             <a:ext uri="{909E8E84-426E-40dd-AFC4-6F175D3DCCD1}">
-              <a14:hiddenFill xmlns:a14="http://schemas.microsoft.com/office/drawing/2010/main" xmlns="">
+              <a14:hiddenFill xmlns="" xmlns:a14="http://schemas.microsoft.com/office/drawing/2010/main">
                 <a:solidFill>
                   <a:srgbClr val="FFFFFF"/>
                 </a:solidFill>
               </a14:hiddenFill>
             </a:ext>
             <a:ext uri="{91240B29-F687-4f45-9708-019B960494DF}">
-              <a14:hiddenLine xmlns:a14="http://schemas.microsoft.com/office/drawing/2010/main" xmlns="" w="9525">
+              <a14:hiddenLine xmlns="" xmlns:a14="http://schemas.microsoft.com/office/drawing/2010/main" w="9525">
                 <a:solidFill>
                   <a:srgbClr val="000000"/>
                 </a:solidFill>
@@ -11142,7 +11066,7 @@
               <a:defRPr/>
             </a:pPr>
             <a:r>
-              <a:rPr lang="en-US" dirty="0" smtClean="0">
+              <a:rPr lang="en-US" dirty="0">
                 <a:solidFill>
                   <a:srgbClr val="7D868C"/>
                 </a:solidFill>
@@ -11153,7 +11077,7 @@
               <a:t>©</a:t>
             </a:r>
             <a:r>
-              <a:rPr lang="is-IS" dirty="0" smtClean="0">
+              <a:rPr lang="is-IS" dirty="0">
                 <a:solidFill>
                   <a:srgbClr val="7D868C"/>
                 </a:solidFill>
@@ -11164,7 +11088,7 @@
               <a:t>2017</a:t>
             </a:r>
             <a:r>
-              <a:rPr lang="en-US" dirty="0" smtClean="0">
+              <a:rPr lang="en-US" dirty="0">
                 <a:solidFill>
                   <a:srgbClr val="7D868C"/>
                 </a:solidFill>
@@ -11172,18 +11096,7 @@
                 <a:ea typeface="+mn-ea"/>
                 <a:cs typeface="+mn-cs"/>
               </a:rPr>
-              <a:t> </a:t>
-            </a:r>
-            <a:r>
-              <a:rPr lang="en-US" dirty="0">
-                <a:solidFill>
-                  <a:srgbClr val="7D868C"/>
-                </a:solidFill>
-                <a:latin typeface="+mn-lt"/>
-                <a:ea typeface="+mn-ea"/>
-                <a:cs typeface="+mn-cs"/>
-              </a:rPr>
-              <a:t>Chef Software Inc</a:t>
+              <a:t> Chef Software Inc</a:t>
             </a:r>
             <a:r>
               <a:rPr lang="en-US" dirty="0">
@@ -11243,7 +11156,7 @@
               <a:defRPr/>
             </a:pPr>
             <a:r>
-              <a:rPr lang="en-US" dirty="0" smtClean="0">
+              <a:rPr lang="en-US" dirty="0">
                 <a:solidFill>
                   <a:srgbClr val="7F7F7F"/>
                 </a:solidFill>
@@ -11375,13 +11288,6 @@
   <p:transition spd="med">
     <p:fade/>
   </p:transition>
-  <p:timing>
-    <p:tnLst>
-      <p:par>
-        <p:cTn id="1" dur="indefinite" restart="never" nodeType="tmRoot"/>
-      </p:par>
-    </p:tnLst>
-  </p:timing>
   <p:hf hdr="0" dt="0"/>
   <p:txStyles>
     <p:titleStyle>
@@ -11836,7 +11742,7 @@
           <a:lstStyle/>
           <a:p>
             <a:r>
-              <a:rPr lang="en-US" dirty="0" err="1" smtClean="0"/>
+              <a:rPr lang="en-US" dirty="0" err="1"/>
               <a:t>Ohai</a:t>
             </a:r>
             <a:endParaRPr lang="en-US" dirty="0"/>
@@ -11875,13 +11781,6 @@
   <p:transition spd="med">
     <p:fade/>
   </p:transition>
-  <p:timing>
-    <p:tnLst>
-      <p:par>
-        <p:cTn id="1" dur="indefinite" restart="never" nodeType="tmRoot"/>
-      </p:par>
-    </p:tnLst>
-  </p:timing>
 </p:sld>
 </file>
 
@@ -11925,7 +11824,7 @@
           <a:p>
             <a:r>
               <a:rPr lang="pt-BR" dirty="0"/>
-              <a:t>  "604308kB"</a:t>
+              <a:t>  "1018184kB"</a:t>
             </a:r>
           </a:p>
           <a:p>
@@ -11933,7 +11832,6 @@
               <a:rPr lang="pt-BR" dirty="0"/>
               <a:t>]</a:t>
             </a:r>
-            <a:endParaRPr lang="en-US" dirty="0"/>
           </a:p>
         </p:txBody>
       </p:sp>
@@ -11953,18 +11851,17 @@
           <a:lstStyle/>
           <a:p>
             <a:r>
-              <a:rPr lang="en-US" dirty="0" smtClean="0"/>
+              <a:rPr lang="en-US" dirty="0"/>
               <a:t>&gt; </a:t>
             </a:r>
             <a:r>
-              <a:rPr lang="en-US" dirty="0" err="1" smtClean="0"/>
+              <a:rPr lang="en-US" dirty="0" err="1"/>
               <a:t>ohai</a:t>
             </a:r>
             <a:r>
-              <a:rPr lang="en-US" dirty="0" smtClean="0"/>
+              <a:rPr lang="en-US" dirty="0"/>
               <a:t> memory/total</a:t>
             </a:r>
-            <a:endParaRPr lang="en-US" dirty="0"/>
           </a:p>
         </p:txBody>
       </p:sp>
@@ -12008,18 +11905,17 @@
           <a:lstStyle/>
           <a:p>
             <a:r>
-              <a:rPr lang="en-US" dirty="0" smtClean="0"/>
+              <a:rPr lang="en-US" dirty="0"/>
               <a:t>Running </a:t>
             </a:r>
             <a:r>
-              <a:rPr lang="en-US" dirty="0" err="1" smtClean="0"/>
+              <a:rPr lang="en-US" dirty="0" err="1"/>
               <a:t>Ohai</a:t>
             </a:r>
             <a:r>
-              <a:rPr lang="en-US" dirty="0" smtClean="0"/>
+              <a:rPr lang="en-US" dirty="0"/>
               <a:t> to Show the Total Memory</a:t>
             </a:r>
-            <a:endParaRPr lang="en-US" dirty="0"/>
           </a:p>
         </p:txBody>
       </p:sp>
@@ -12036,13 +11932,6 @@
   <p:transition spd="med">
     <p:fade/>
   </p:transition>
-  <p:timing>
-    <p:tnLst>
-      <p:par>
-        <p:cTn id="1" dur="indefinite" restart="never" nodeType="tmRoot"/>
-      </p:par>
-    </p:tnLst>
-  </p:timing>
 </p:sld>
 </file>
 
@@ -12092,123 +11981,50 @@
           <a:p>
             <a:r>
               <a:rPr lang="de-DE" dirty="0"/>
-              <a:t>    "</a:t>
-            </a:r>
-            <a:r>
-              <a:rPr lang="de-DE" dirty="0" err="1"/>
-              <a:t>vendor_id</a:t>
-            </a:r>
+              <a:t>    "vendor_id": "GenuineIntel",</a:t>
+            </a:r>
+          </a:p>
+          <a:p>
             <a:r>
               <a:rPr lang="de-DE" dirty="0"/>
-              <a:t>": "</a:t>
-            </a:r>
-            <a:r>
-              <a:rPr lang="de-DE" dirty="0" err="1"/>
-              <a:t>GenuineIntel</a:t>
-            </a:r>
+              <a:t>    "family": "6",</a:t>
+            </a:r>
+          </a:p>
+          <a:p>
             <a:r>
               <a:rPr lang="de-DE" dirty="0"/>
-              <a:t>",</a:t>
+              <a:t>    "model": "63",</a:t>
             </a:r>
           </a:p>
           <a:p>
             <a:r>
               <a:rPr lang="de-DE" dirty="0"/>
-              <a:t>    "</a:t>
-            </a:r>
-            <a:r>
-              <a:rPr lang="de-DE" dirty="0" err="1"/>
-              <a:t>family</a:t>
-            </a:r>
+              <a:t>    "model_name": "Intel(R) Xeon(R) CPU E5-2676 v3 @ 2.40GHz",</a:t>
+            </a:r>
+          </a:p>
+          <a:p>
             <a:r>
               <a:rPr lang="de-DE" dirty="0"/>
-              <a:t>": "6",</a:t>
+              <a:t>    "stepping": "2",</a:t>
             </a:r>
           </a:p>
           <a:p>
             <a:r>
               <a:rPr lang="de-DE" dirty="0"/>
-              <a:t>    "</a:t>
-            </a:r>
-            <a:r>
-              <a:rPr lang="de-DE" dirty="0" err="1"/>
-              <a:t>model</a:t>
-            </a:r>
+              <a:t>    "mhz": "2400.078",</a:t>
+            </a:r>
+          </a:p>
+          <a:p>
             <a:r>
               <a:rPr lang="de-DE" dirty="0"/>
-              <a:t>": "45",</a:t>
+              <a:t>    "cache_size": "30720 KB",</a:t>
             </a:r>
           </a:p>
           <a:p>
             <a:r>
               <a:rPr lang="de-DE" dirty="0"/>
-              <a:t>    "</a:t>
-            </a:r>
-            <a:r>
-              <a:rPr lang="de-DE" dirty="0" err="1"/>
-              <a:t>model_name</a:t>
-            </a:r>
-            <a:r>
-              <a:rPr lang="de-DE" dirty="0"/>
-              <a:t>": "Intel(R) Xeon(R) CPU E5-2650 0 @ 2.00GHz",</a:t>
-            </a:r>
-          </a:p>
-          <a:p>
-            <a:r>
-              <a:rPr lang="de-DE" dirty="0"/>
-              <a:t>    "</a:t>
-            </a:r>
-            <a:r>
-              <a:rPr lang="de-DE" dirty="0" err="1"/>
-              <a:t>stepping</a:t>
-            </a:r>
-            <a:r>
-              <a:rPr lang="de-DE" dirty="0"/>
-              <a:t>": "7",</a:t>
-            </a:r>
-          </a:p>
-          <a:p>
-            <a:r>
-              <a:rPr lang="de-DE" dirty="0"/>
-              <a:t>    "</a:t>
-            </a:r>
-            <a:r>
-              <a:rPr lang="de-DE" dirty="0" err="1"/>
-              <a:t>mhz</a:t>
-            </a:r>
-            <a:r>
-              <a:rPr lang="de-DE" dirty="0"/>
-              <a:t>": "1795.673",</a:t>
-            </a:r>
-          </a:p>
-          <a:p>
-            <a:r>
-              <a:rPr lang="de-DE" dirty="0"/>
-              <a:t>    "</a:t>
-            </a:r>
-            <a:r>
-              <a:rPr lang="de-DE" dirty="0" err="1"/>
-              <a:t>cache_size</a:t>
-            </a:r>
-            <a:r>
-              <a:rPr lang="de-DE" dirty="0"/>
-              <a:t>": "20480 KB",</a:t>
-            </a:r>
-          </a:p>
-          <a:p>
-            <a:r>
-              <a:rPr lang="de-DE" dirty="0"/>
-              <a:t>    "</a:t>
-            </a:r>
-            <a:r>
-              <a:rPr lang="de-DE" dirty="0" err="1"/>
-              <a:t>physical_id</a:t>
-            </a:r>
-            <a:r>
-              <a:rPr lang="de-DE" dirty="0"/>
-              <a:t>": "34</a:t>
-            </a:r>
-            <a:endParaRPr lang="en-US" dirty="0"/>
+              <a:t>    "physical_id": "0",</a:t>
+            </a:r>
           </a:p>
         </p:txBody>
       </p:sp>
@@ -12229,22 +12045,18 @@
           <a:p>
             <a:r>
               <a:rPr lang="en-US" dirty="0"/>
-              <a:t>&gt;</a:t>
-            </a:r>
-            <a:r>
-              <a:rPr lang="en-US" dirty="0" smtClean="0"/>
+              <a:t>&gt; </a:t>
+            </a:r>
+            <a:r>
+              <a:rPr lang="en-US" dirty="0" err="1"/>
+              <a:t>ohai</a:t>
+            </a:r>
+            <a:r>
+              <a:rPr lang="en-US" dirty="0"/>
               <a:t> </a:t>
             </a:r>
             <a:r>
-              <a:rPr lang="en-US" dirty="0" err="1" smtClean="0"/>
-              <a:t>ohai</a:t>
-            </a:r>
-            <a:r>
-              <a:rPr lang="en-US" dirty="0" smtClean="0"/>
-              <a:t> </a:t>
-            </a:r>
-            <a:r>
-              <a:rPr lang="en-US" dirty="0" err="1" smtClean="0"/>
+              <a:rPr lang="en-US" dirty="0" err="1"/>
               <a:t>cpu</a:t>
             </a:r>
             <a:endParaRPr lang="en-US" dirty="0"/>
@@ -12291,26 +12103,17 @@
           <a:lstStyle/>
           <a:p>
             <a:r>
-              <a:rPr lang="en-US" dirty="0" smtClean="0"/>
+              <a:rPr lang="en-US" dirty="0"/>
               <a:t>Running </a:t>
             </a:r>
             <a:r>
-              <a:rPr lang="en-US" dirty="0" err="1" smtClean="0"/>
+              <a:rPr lang="en-US" dirty="0" err="1"/>
               <a:t>Ohai</a:t>
             </a:r>
             <a:r>
-              <a:rPr lang="en-US" dirty="0" smtClean="0"/>
-              <a:t> to </a:t>
-            </a:r>
-            <a:r>
-              <a:rPr lang="en-US" dirty="0"/>
-              <a:t>S</a:t>
-            </a:r>
-            <a:r>
-              <a:rPr lang="en-US" dirty="0" smtClean="0"/>
-              <a:t>how the CPU</a:t>
-            </a:r>
-            <a:endParaRPr lang="en-US" dirty="0"/>
+              <a:rPr lang="en-US" dirty="0"/>
+              <a:t> to Show the CPU</a:t>
+            </a:r>
           </a:p>
         </p:txBody>
       </p:sp>
@@ -12327,13 +12130,6 @@
   <p:transition spd="med">
     <p:fade/>
   </p:transition>
-  <p:timing>
-    <p:tnLst>
-      <p:par>
-        <p:cTn id="1" dur="indefinite" restart="never" nodeType="tmRoot"/>
-      </p:par>
-    </p:tnLst>
-  </p:timing>
 </p:sld>
 </file>
 
@@ -12377,173 +12173,56 @@
           <a:p>
             <a:r>
               <a:rPr lang="pt-BR" dirty="0"/>
-              <a:t>  "</a:t>
-            </a:r>
-            <a:r>
-              <a:rPr lang="pt-BR" dirty="0" err="1"/>
-              <a:t>vendor_id</a:t>
-            </a:r>
+              <a:t>  "vendor_id": "GenuineIntel",</a:t>
+            </a:r>
+          </a:p>
+          <a:p>
             <a:r>
               <a:rPr lang="pt-BR" dirty="0"/>
-              <a:t>": "</a:t>
-            </a:r>
-            <a:r>
-              <a:rPr lang="pt-BR" dirty="0" err="1"/>
-              <a:t>GenuineIntel</a:t>
-            </a:r>
+              <a:t>  "family": "6",</a:t>
+            </a:r>
+          </a:p>
+          <a:p>
             <a:r>
               <a:rPr lang="pt-BR" dirty="0"/>
-              <a:t>",</a:t>
+              <a:t>  "model": "63",</a:t>
             </a:r>
           </a:p>
           <a:p>
             <a:r>
               <a:rPr lang="pt-BR" dirty="0"/>
-              <a:t>  "</a:t>
-            </a:r>
-            <a:r>
-              <a:rPr lang="pt-BR" dirty="0" err="1"/>
-              <a:t>family</a:t>
-            </a:r>
+              <a:t>  "model_name": "Intel(R) Xeon(R) CPU E5-2676 v3 @ 2.40GHz",</a:t>
+            </a:r>
+          </a:p>
+          <a:p>
             <a:r>
               <a:rPr lang="pt-BR" dirty="0"/>
-              <a:t>": "6",</a:t>
+              <a:t>  "stepping": "2",</a:t>
             </a:r>
           </a:p>
           <a:p>
             <a:r>
               <a:rPr lang="pt-BR" dirty="0"/>
-              <a:t>  "</a:t>
-            </a:r>
-            <a:r>
-              <a:rPr lang="pt-BR" dirty="0" err="1"/>
-              <a:t>model</a:t>
-            </a:r>
+              <a:t>  "mhz": "2400.078",</a:t>
+            </a:r>
+          </a:p>
+          <a:p>
             <a:r>
               <a:rPr lang="pt-BR" dirty="0"/>
-              <a:t>": "45",</a:t>
+              <a:t>  "cache_size": "30720 KB",</a:t>
             </a:r>
           </a:p>
           <a:p>
             <a:r>
               <a:rPr lang="pt-BR" dirty="0"/>
-              <a:t>  "</a:t>
-            </a:r>
-            <a:r>
-              <a:rPr lang="pt-BR" dirty="0" err="1"/>
-              <a:t>model_name</a:t>
-            </a:r>
+              <a:t>  "physical_id": "0",</a:t>
+            </a:r>
+          </a:p>
+          <a:p>
             <a:r>
               <a:rPr lang="pt-BR" dirty="0"/>
-              <a:t>": "Intel(</a:t>
-            </a:r>
-            <a:r>
-              <a:rPr lang="pt-BR" dirty="0" err="1"/>
-              <a:t>R</a:t>
-            </a:r>
-            <a:r>
-              <a:rPr lang="pt-BR" dirty="0"/>
-              <a:t>) Xeon(</a:t>
-            </a:r>
-            <a:r>
-              <a:rPr lang="pt-BR" dirty="0" err="1"/>
-              <a:t>R</a:t>
-            </a:r>
-            <a:r>
-              <a:rPr lang="pt-BR" dirty="0"/>
-              <a:t>) CPU E5-2650 0 @ 2.00GHz",</a:t>
-            </a:r>
-          </a:p>
-          <a:p>
-            <a:r>
-              <a:rPr lang="pt-BR" dirty="0"/>
-              <a:t>  "</a:t>
-            </a:r>
-            <a:r>
-              <a:rPr lang="pt-BR" dirty="0" err="1"/>
-              <a:t>stepping</a:t>
-            </a:r>
-            <a:r>
-              <a:rPr lang="pt-BR" dirty="0"/>
-              <a:t>": "7",</a:t>
-            </a:r>
-          </a:p>
-          <a:p>
-            <a:r>
-              <a:rPr lang="pt-BR" dirty="0"/>
-              <a:t>  "</a:t>
-            </a:r>
-            <a:r>
-              <a:rPr lang="pt-BR" dirty="0" err="1"/>
-              <a:t>mhz</a:t>
-            </a:r>
-            <a:r>
-              <a:rPr lang="pt-BR" dirty="0"/>
-              <a:t>": "1795.673",</a:t>
-            </a:r>
-          </a:p>
-          <a:p>
-            <a:r>
-              <a:rPr lang="pt-BR" dirty="0"/>
-              <a:t>  "</a:t>
-            </a:r>
-            <a:r>
-              <a:rPr lang="pt-BR" dirty="0" err="1"/>
-              <a:t>cache_size</a:t>
-            </a:r>
-            <a:r>
-              <a:rPr lang="pt-BR" dirty="0"/>
-              <a:t>": "20480 KB",</a:t>
-            </a:r>
-          </a:p>
-          <a:p>
-            <a:r>
-              <a:rPr lang="pt-BR" dirty="0"/>
-              <a:t>  "</a:t>
-            </a:r>
-            <a:r>
-              <a:rPr lang="pt-BR" dirty="0" err="1"/>
-              <a:t>physical_id</a:t>
-            </a:r>
-            <a:r>
-              <a:rPr lang="pt-BR" dirty="0"/>
-              <a:t>": "34",</a:t>
-            </a:r>
-          </a:p>
-          <a:p>
-            <a:r>
-              <a:rPr lang="pt-BR" dirty="0"/>
-              <a:t>  "</a:t>
-            </a:r>
-            <a:r>
-              <a:rPr lang="pt-BR" dirty="0" err="1"/>
-              <a:t>core_id</a:t>
-            </a:r>
-            <a:r>
-              <a:rPr lang="pt-BR" dirty="0"/>
-              <a:t>": "0",</a:t>
-            </a:r>
-          </a:p>
-          <a:p>
-            <a:r>
-              <a:rPr lang="pt-BR" dirty="0"/>
-              <a:t>  "cores": "1",</a:t>
-            </a:r>
-          </a:p>
-          <a:p>
-            <a:r>
-              <a:rPr lang="pt-BR" dirty="0"/>
-              <a:t>  "</a:t>
-            </a:r>
-            <a:r>
-              <a:rPr lang="pt-BR" dirty="0" err="1"/>
-              <a:t>flags</a:t>
-            </a:r>
-            <a:r>
-              <a:rPr lang="pt-BR" dirty="0"/>
-              <a:t>": [</a:t>
-            </a:r>
-            <a:endParaRPr lang="en-US" dirty="0"/>
+              <a:t>  "core_id": "0",</a:t>
+            </a:r>
           </a:p>
         </p:txBody>
       </p:sp>
@@ -12564,29 +12243,24 @@
           <a:p>
             <a:r>
               <a:rPr lang="en-US" dirty="0"/>
-              <a:t>&gt;</a:t>
-            </a:r>
-            <a:r>
-              <a:rPr lang="en-US" dirty="0" smtClean="0"/>
+              <a:t>&gt; </a:t>
+            </a:r>
+            <a:r>
+              <a:rPr lang="en-US" dirty="0" err="1"/>
+              <a:t>ohai</a:t>
+            </a:r>
+            <a:r>
+              <a:rPr lang="en-US" dirty="0"/>
               <a:t> </a:t>
             </a:r>
             <a:r>
-              <a:rPr lang="en-US" dirty="0" err="1" smtClean="0"/>
-              <a:t>ohai</a:t>
-            </a:r>
-            <a:r>
-              <a:rPr lang="en-US" dirty="0" smtClean="0"/>
-              <a:t> </a:t>
-            </a:r>
-            <a:r>
-              <a:rPr lang="en-US" dirty="0" err="1" smtClean="0"/>
+              <a:rPr lang="en-US" dirty="0" err="1"/>
               <a:t>cpu</a:t>
             </a:r>
             <a:r>
-              <a:rPr lang="en-US" dirty="0" smtClean="0"/>
+              <a:rPr lang="en-US" dirty="0"/>
               <a:t>/0</a:t>
             </a:r>
-            <a:endParaRPr lang="en-US" dirty="0"/>
           </a:p>
         </p:txBody>
       </p:sp>
@@ -12630,18 +12304,17 @@
           <a:lstStyle/>
           <a:p>
             <a:r>
-              <a:rPr lang="en-US" dirty="0" smtClean="0"/>
+              <a:rPr lang="en-US" dirty="0"/>
               <a:t>Running </a:t>
             </a:r>
             <a:r>
-              <a:rPr lang="en-US" dirty="0" err="1" smtClean="0"/>
+              <a:rPr lang="en-US" dirty="0" err="1"/>
               <a:t>Ohai</a:t>
             </a:r>
             <a:r>
-              <a:rPr lang="en-US" dirty="0" smtClean="0"/>
+              <a:rPr lang="en-US" dirty="0"/>
               <a:t> to Show the First CPU</a:t>
             </a:r>
-            <a:endParaRPr lang="en-US" dirty="0"/>
           </a:p>
         </p:txBody>
       </p:sp>
@@ -12658,13 +12331,6 @@
   <p:transition spd="med">
     <p:fade/>
   </p:transition>
-  <p:timing>
-    <p:tnLst>
-      <p:par>
-        <p:cTn id="1" dur="indefinite" restart="never" nodeType="tmRoot"/>
-      </p:par>
-    </p:tnLst>
-  </p:timing>
 </p:sld>
 </file>
 
@@ -12708,7 +12374,7 @@
           <a:p>
             <a:r>
               <a:rPr lang="pt-BR" dirty="0"/>
-              <a:t>  "1795.673"</a:t>
+              <a:t>  "2400.078"</a:t>
             </a:r>
           </a:p>
           <a:p>
@@ -12716,7 +12382,6 @@
               <a:rPr lang="pt-BR" dirty="0"/>
               <a:t>]</a:t>
             </a:r>
-            <a:endParaRPr lang="en-US" dirty="0"/>
           </a:p>
         </p:txBody>
       </p:sp>
@@ -12737,30 +12402,26 @@
           <a:p>
             <a:r>
               <a:rPr lang="en-US" dirty="0"/>
-              <a:t>&gt;</a:t>
-            </a:r>
-            <a:r>
-              <a:rPr lang="en-US" dirty="0" smtClean="0"/>
+              <a:t>&gt; </a:t>
+            </a:r>
+            <a:r>
+              <a:rPr lang="en-US" dirty="0" err="1"/>
+              <a:t>ohai</a:t>
+            </a:r>
+            <a:r>
+              <a:rPr lang="en-US" dirty="0"/>
               <a:t> </a:t>
             </a:r>
             <a:r>
-              <a:rPr lang="en-US" dirty="0" err="1" smtClean="0"/>
-              <a:t>ohai</a:t>
-            </a:r>
-            <a:r>
-              <a:rPr lang="en-US" dirty="0" smtClean="0"/>
-              <a:t> </a:t>
-            </a:r>
-            <a:r>
-              <a:rPr lang="en-US" dirty="0" err="1" smtClean="0"/>
+              <a:rPr lang="en-US" dirty="0" err="1"/>
               <a:t>cpu</a:t>
             </a:r>
             <a:r>
-              <a:rPr lang="en-US" dirty="0" smtClean="0"/>
+              <a:rPr lang="en-US" dirty="0"/>
               <a:t>/0/</a:t>
             </a:r>
             <a:r>
-              <a:rPr lang="en-US" dirty="0" err="1" smtClean="0"/>
+              <a:rPr lang="en-US" dirty="0" err="1"/>
               <a:t>mhz</a:t>
             </a:r>
             <a:endParaRPr lang="en-US" dirty="0"/>
@@ -12807,19 +12468,19 @@
           <a:lstStyle/>
           <a:p>
             <a:r>
-              <a:rPr lang="en-US" dirty="0" smtClean="0"/>
+              <a:rPr lang="en-US" dirty="0"/>
               <a:t>Running </a:t>
             </a:r>
             <a:r>
-              <a:rPr lang="en-US" dirty="0" err="1" smtClean="0"/>
+              <a:rPr lang="en-US" dirty="0" err="1"/>
               <a:t>Ohai</a:t>
             </a:r>
             <a:r>
-              <a:rPr lang="en-US" dirty="0" smtClean="0"/>
+              <a:rPr lang="en-US" dirty="0"/>
               <a:t> to Show the First CPU </a:t>
             </a:r>
             <a:r>
-              <a:rPr lang="en-US" dirty="0" err="1" smtClean="0"/>
+              <a:rPr lang="en-US" dirty="0" err="1"/>
               <a:t>Mhz</a:t>
             </a:r>
             <a:endParaRPr lang="en-US" dirty="0"/>
@@ -12839,13 +12500,6 @@
   <p:transition spd="med">
     <p:fade/>
   </p:transition>
-  <p:timing>
-    <p:tnLst>
-      <p:par>
-        <p:cTn id="1" dur="indefinite" restart="never" nodeType="tmRoot"/>
-      </p:par>
-    </p:tnLst>
-  </p:timing>
 </p:sld>
 </file>
 
@@ -12884,18 +12538,13 @@
           <a:lstStyle/>
           <a:p>
             <a:r>
-              <a:rPr lang="en-US" dirty="0" err="1" smtClean="0"/>
+              <a:rPr lang="en-US" dirty="0" err="1"/>
               <a:t>Ohai</a:t>
             </a:r>
             <a:r>
               <a:rPr lang="en-US" dirty="0"/>
-              <a:t> </a:t>
-            </a:r>
-            <a:r>
-              <a:rPr lang="en-US" dirty="0" smtClean="0"/>
-              <a:t>is Composed of Plugins</a:t>
-            </a:r>
-            <a:endParaRPr lang="en-US" dirty="0"/>
+              <a:t> is Composed of Plugins</a:t>
+            </a:r>
           </a:p>
         </p:txBody>
       </p:sp>
@@ -12920,19 +12569,19 @@
           <a:lstStyle/>
           <a:p>
             <a:r>
-              <a:rPr lang="en-US" dirty="0" err="1" smtClean="0"/>
+              <a:rPr lang="en-US" dirty="0" err="1"/>
               <a:t>Ohai</a:t>
             </a:r>
             <a:r>
-              <a:rPr lang="en-US" dirty="0" smtClean="0"/>
+              <a:rPr lang="en-US" dirty="0"/>
               <a:t> is packaged with a core set of plugins that are automatically loaded when executing </a:t>
             </a:r>
             <a:r>
-              <a:rPr lang="en-US" dirty="0" err="1" smtClean="0"/>
+              <a:rPr lang="en-US" dirty="0" err="1"/>
               <a:t>Ohai</a:t>
             </a:r>
             <a:r>
-              <a:rPr lang="en-US" dirty="0" smtClean="0"/>
+              <a:rPr lang="en-US" dirty="0"/>
               <a:t>.</a:t>
             </a:r>
           </a:p>
@@ -12941,23 +12590,23 @@
           </a:p>
           <a:p>
             <a:r>
-              <a:rPr lang="en-US" dirty="0" smtClean="0"/>
+              <a:rPr lang="en-US" dirty="0"/>
               <a:t>These plugins provide the attributes we see in the JSON output (e.g. </a:t>
             </a:r>
             <a:r>
-              <a:rPr lang="en-US" dirty="0" err="1" smtClean="0"/>
+              <a:rPr lang="en-US" dirty="0" err="1"/>
               <a:t>ipaddress</a:t>
             </a:r>
             <a:r>
-              <a:rPr lang="en-US" dirty="0" smtClean="0"/>
+              <a:rPr lang="en-US" dirty="0"/>
               <a:t>, hostname, memory, </a:t>
             </a:r>
             <a:r>
-              <a:rPr lang="en-US" dirty="0" err="1" smtClean="0"/>
+              <a:rPr lang="en-US" dirty="0" err="1"/>
               <a:t>cpu</a:t>
             </a:r>
             <a:r>
-              <a:rPr lang="en-US" dirty="0" smtClean="0"/>
+              <a:rPr lang="en-US" dirty="0"/>
               <a:t>).</a:t>
             </a:r>
           </a:p>
@@ -13011,7 +12660,7 @@
           <a:p>
             <a:pPr algn="ctr" defTabSz="914099"/>
             <a:r>
-              <a:rPr lang="en-US" sz="2400" b="1" dirty="0" err="1" smtClean="0">
+              <a:rPr lang="en-US" sz="2400" b="1" dirty="0" err="1">
                 <a:gradFill>
                   <a:gsLst>
                     <a:gs pos="0">
@@ -13026,7 +12675,7 @@
               </a:rPr>
               <a:t>Ohai</a:t>
             </a:r>
-            <a:endParaRPr lang="en-US" sz="2400" b="1" dirty="0" smtClean="0">
+            <a:endParaRPr lang="en-US" sz="2400" b="1" dirty="0">
               <a:gradFill>
                 <a:gsLst>
                   <a:gs pos="0">
@@ -13090,14 +12739,14 @@
           <a:p>
             <a:pPr defTabSz="914099"/>
             <a:r>
-              <a:rPr lang="en-US" b="1" dirty="0" err="1" smtClean="0">
+              <a:rPr lang="en-US" b="1" dirty="0" err="1">
                 <a:solidFill>
                   <a:schemeClr val="bg1"/>
                 </a:solidFill>
               </a:rPr>
               <a:t>NetworkAddresses</a:t>
             </a:r>
-            <a:endParaRPr lang="en-US" sz="2400" b="1" dirty="0" smtClean="0">
+            <a:endParaRPr lang="en-US" sz="2400" b="1" dirty="0">
               <a:solidFill>
                 <a:schemeClr val="bg1"/>
               </a:solidFill>
@@ -13153,7 +12802,7 @@
           <a:p>
             <a:pPr defTabSz="914099"/>
             <a:r>
-              <a:rPr lang="en-US" sz="2400" b="1" dirty="0" smtClean="0">
+              <a:rPr lang="en-US" sz="2400" b="1" dirty="0">
                 <a:solidFill>
                   <a:schemeClr val="bg1"/>
                 </a:solidFill>
@@ -13211,14 +12860,14 @@
           <a:p>
             <a:pPr defTabSz="914099"/>
             <a:r>
-              <a:rPr lang="en-US" b="1" dirty="0" smtClean="0">
+              <a:rPr lang="en-US" b="1" dirty="0">
                 <a:solidFill>
                   <a:schemeClr val="bg1"/>
                 </a:solidFill>
               </a:rPr>
               <a:t>Memory</a:t>
             </a:r>
-            <a:endParaRPr lang="en-US" sz="2400" b="1" dirty="0" smtClean="0">
+            <a:endParaRPr lang="en-US" sz="2400" b="1" dirty="0">
               <a:solidFill>
                 <a:schemeClr val="bg1"/>
               </a:solidFill>
@@ -13274,7 +12923,7 @@
           <a:p>
             <a:pPr defTabSz="914099"/>
             <a:r>
-              <a:rPr lang="en-US" sz="2400" b="1" dirty="0" smtClean="0">
+              <a:rPr lang="en-US" sz="2400" b="1" dirty="0">
                 <a:solidFill>
                   <a:schemeClr val="bg1"/>
                 </a:solidFill>
@@ -13334,7 +12983,7 @@
           <a:p>
             <a:pPr marL="91440" defTabSz="914099"/>
             <a:r>
-              <a:rPr lang="en-US" sz="2000" b="1" dirty="0" err="1" smtClean="0">
+              <a:rPr lang="en-US" sz="2000" b="1" dirty="0" err="1">
                 <a:solidFill>
                   <a:schemeClr val="bg1"/>
                 </a:solidFill>
@@ -13342,7 +12991,7 @@
               <a:t>ipaddress</a:t>
             </a:r>
             <a:r>
-              <a:rPr lang="en-US" sz="2000" b="1" dirty="0" smtClean="0">
+              <a:rPr lang="en-US" sz="2000" b="1" dirty="0">
                 <a:solidFill>
                   <a:schemeClr val="bg1"/>
                 </a:solidFill>
@@ -13350,14 +12999,14 @@
               <a:t>, ip6address, </a:t>
             </a:r>
             <a:r>
-              <a:rPr lang="en-US" sz="2000" b="1" dirty="0" err="1" smtClean="0">
+              <a:rPr lang="en-US" sz="2000" b="1" dirty="0" err="1">
                 <a:solidFill>
                   <a:schemeClr val="bg1"/>
                 </a:solidFill>
               </a:rPr>
               <a:t>macaddress</a:t>
             </a:r>
-            <a:endParaRPr lang="en-US" sz="2000" b="1" dirty="0" smtClean="0">
+            <a:endParaRPr lang="en-US" sz="2000" b="1" dirty="0">
               <a:solidFill>
                 <a:schemeClr val="bg1"/>
               </a:solidFill>
@@ -13415,7 +13064,7 @@
           <a:p>
             <a:pPr marL="91440" defTabSz="914099"/>
             <a:r>
-              <a:rPr lang="en-US" sz="2000" b="1" dirty="0" smtClean="0">
+              <a:rPr lang="en-US" sz="2000" b="1" dirty="0">
                 <a:solidFill>
                   <a:schemeClr val="bg1"/>
                 </a:solidFill>
@@ -13423,7 +13072,7 @@
               <a:t>hostname, domain, </a:t>
             </a:r>
             <a:r>
-              <a:rPr lang="en-US" sz="2000" b="1" dirty="0" err="1" smtClean="0">
+              <a:rPr lang="en-US" sz="2000" b="1" dirty="0" err="1">
                 <a:solidFill>
                   <a:schemeClr val="bg1"/>
                 </a:solidFill>
@@ -13431,7 +13080,7 @@
               <a:t>fqdn</a:t>
             </a:r>
             <a:r>
-              <a:rPr lang="en-US" sz="2000" b="1" dirty="0" smtClean="0">
+              <a:rPr lang="en-US" sz="2000" b="1" dirty="0">
                 <a:solidFill>
                   <a:schemeClr val="bg1"/>
                 </a:solidFill>
@@ -13439,14 +13088,14 @@
               <a:t>, </a:t>
             </a:r>
             <a:r>
-              <a:rPr lang="en-US" sz="2000" b="1" dirty="0" err="1" smtClean="0">
+              <a:rPr lang="en-US" sz="2000" b="1" dirty="0" err="1">
                 <a:solidFill>
                   <a:schemeClr val="bg1"/>
                 </a:solidFill>
               </a:rPr>
               <a:t>machinename</a:t>
             </a:r>
-            <a:endParaRPr lang="en-US" sz="2000" b="1" dirty="0" smtClean="0">
+            <a:endParaRPr lang="en-US" sz="2000" b="1" dirty="0">
               <a:solidFill>
                 <a:schemeClr val="bg1"/>
               </a:solidFill>
@@ -13504,7 +13153,7 @@
           <a:p>
             <a:pPr marL="91440" defTabSz="914099"/>
             <a:r>
-              <a:rPr lang="en-US" sz="2000" b="1" dirty="0" smtClean="0">
+              <a:rPr lang="en-US" sz="2000" b="1" dirty="0">
                 <a:solidFill>
                   <a:schemeClr val="bg1"/>
                 </a:solidFill>
@@ -13564,14 +13213,14 @@
           <a:p>
             <a:pPr marL="91440" defTabSz="914099"/>
             <a:r>
-              <a:rPr lang="en-US" sz="2000" b="1" dirty="0" err="1" smtClean="0">
+              <a:rPr lang="en-US" sz="2000" b="1" dirty="0" err="1">
                 <a:solidFill>
                   <a:schemeClr val="bg1"/>
                 </a:solidFill>
               </a:rPr>
               <a:t>cpu</a:t>
             </a:r>
-            <a:endParaRPr lang="en-US" sz="2000" b="1" dirty="0" smtClean="0">
+            <a:endParaRPr lang="en-US" sz="2000" b="1" dirty="0">
               <a:solidFill>
                 <a:schemeClr val="bg1"/>
               </a:solidFill>
@@ -13602,7 +13251,7 @@
           <a:p>
             <a:pPr algn="ctr"/>
             <a:r>
-              <a:rPr lang="en-US" dirty="0" smtClean="0"/>
+              <a:rPr lang="en-US" dirty="0"/>
               <a:t>Example Plugins</a:t>
             </a:r>
           </a:p>
@@ -13669,13 +13318,6 @@
   <p:transition spd="med">
     <p:fade/>
   </p:transition>
-  <p:timing>
-    <p:tnLst>
-      <p:par>
-        <p:cTn id="1" dur="indefinite" restart="never" nodeType="tmRoot"/>
-      </p:par>
-    </p:tnLst>
-  </p:timing>
 </p:sld>
 </file>
 
@@ -13714,18 +13356,17 @@
           <a:lstStyle/>
           <a:p>
             <a:r>
-              <a:rPr lang="en-US" dirty="0" smtClean="0"/>
+              <a:rPr lang="en-US" dirty="0"/>
               <a:t>Custom </a:t>
             </a:r>
             <a:r>
-              <a:rPr lang="en-US" dirty="0" err="1" smtClean="0"/>
+              <a:rPr lang="en-US" dirty="0" err="1"/>
               <a:t>Ohai</a:t>
             </a:r>
             <a:r>
-              <a:rPr lang="en-US" dirty="0" smtClean="0"/>
+              <a:rPr lang="en-US" dirty="0"/>
               <a:t> Plugins</a:t>
             </a:r>
-            <a:endParaRPr lang="en-US" dirty="0"/>
           </a:p>
         </p:txBody>
       </p:sp>
@@ -13750,15 +13391,15 @@
           <a:lstStyle/>
           <a:p>
             <a:r>
-              <a:rPr lang="en-US" dirty="0" smtClean="0"/>
+              <a:rPr lang="en-US" dirty="0"/>
               <a:t>It is possible to define your own plugins and have </a:t>
             </a:r>
             <a:r>
-              <a:rPr lang="en-US" dirty="0" err="1" smtClean="0"/>
+              <a:rPr lang="en-US" dirty="0" err="1"/>
               <a:t>Ohai</a:t>
             </a:r>
             <a:r>
-              <a:rPr lang="en-US" dirty="0" smtClean="0"/>
+              <a:rPr lang="en-US" dirty="0"/>
               <a:t> load those plugins.</a:t>
             </a:r>
           </a:p>
@@ -13789,7 +13430,7 @@
           <a:lstStyle/>
           <a:p>
             <a:r>
-              <a:rPr lang="en-US" b="1" dirty="0" smtClean="0">
+              <a:rPr lang="en-US" b="1" dirty="0">
                 <a:solidFill>
                   <a:schemeClr val="bg1"/>
                 </a:solidFill>
@@ -13799,7 +13440,7 @@
               <a:t>&gt; </a:t>
             </a:r>
             <a:r>
-              <a:rPr lang="en-US" b="1" dirty="0" err="1" smtClean="0">
+              <a:rPr lang="en-US" b="1" dirty="0" err="1">
                 <a:solidFill>
                   <a:schemeClr val="bg1"/>
                 </a:solidFill>
@@ -13809,7 +13450,7 @@
               <a:t>ohai</a:t>
             </a:r>
             <a:r>
-              <a:rPr lang="en-US" b="1" dirty="0" smtClean="0">
+              <a:rPr lang="en-US" b="1" dirty="0">
                 <a:solidFill>
                   <a:schemeClr val="bg1"/>
                 </a:solidFill>
@@ -14022,31 +13663,31 @@
           </a:lstStyle>
           <a:p>
             <a:r>
-              <a:rPr lang="en-US" dirty="0" smtClean="0"/>
+              <a:rPr lang="en-US" dirty="0"/>
               <a:t>We will explore creating an </a:t>
             </a:r>
             <a:r>
-              <a:rPr lang="en-US" dirty="0" err="1" smtClean="0"/>
+              <a:rPr lang="en-US" dirty="0" err="1"/>
               <a:t>Ohai</a:t>
             </a:r>
             <a:r>
-              <a:rPr lang="en-US" dirty="0" smtClean="0"/>
+              <a:rPr lang="en-US" dirty="0"/>
               <a:t> plugin and loading it with </a:t>
             </a:r>
             <a:r>
-              <a:rPr lang="en-US" dirty="0" err="1" smtClean="0"/>
+              <a:rPr lang="en-US" dirty="0" err="1"/>
               <a:t>Ohai</a:t>
             </a:r>
             <a:r>
-              <a:rPr lang="en-US" dirty="0" smtClean="0"/>
+              <a:rPr lang="en-US" dirty="0"/>
               <a:t> from the command-line in the 'Creating </a:t>
             </a:r>
             <a:r>
-              <a:rPr lang="en-US" dirty="0" err="1" smtClean="0"/>
+              <a:rPr lang="en-US" dirty="0" err="1"/>
               <a:t>Ohai</a:t>
             </a:r>
             <a:r>
-              <a:rPr lang="en-US" dirty="0" smtClean="0"/>
+              <a:rPr lang="en-US" dirty="0"/>
               <a:t> Plugins' module.</a:t>
             </a:r>
           </a:p>
@@ -14065,13 +13706,6 @@
   <p:transition spd="med">
     <p:fade/>
   </p:transition>
-  <p:timing>
-    <p:tnLst>
-      <p:par>
-        <p:cTn id="1" dur="indefinite" restart="never" nodeType="tmRoot"/>
-      </p:par>
-    </p:tnLst>
-  </p:timing>
 </p:sld>
 </file>
 
@@ -14110,11 +13744,11 @@
           <a:lstStyle/>
           <a:p>
             <a:r>
-              <a:rPr lang="en-US" dirty="0" smtClean="0"/>
+              <a:rPr lang="en-US" dirty="0"/>
               <a:t>Exploring </a:t>
             </a:r>
             <a:r>
-              <a:rPr lang="en-US" dirty="0" err="1" smtClean="0"/>
+              <a:rPr lang="en-US" dirty="0" err="1"/>
               <a:t>Ohai</a:t>
             </a:r>
             <a:endParaRPr lang="en-US" dirty="0"/>
@@ -14137,22 +13771,21 @@
           <a:lstStyle/>
           <a:p>
             <a:r>
-              <a:rPr lang="en-US" dirty="0" smtClean="0"/>
+              <a:rPr lang="en-US" dirty="0"/>
               <a:t>To understand </a:t>
             </a:r>
             <a:r>
-              <a:rPr lang="en-US" dirty="0" err="1" smtClean="0"/>
+              <a:rPr lang="en-US" dirty="0" err="1"/>
               <a:t>Ohai</a:t>
             </a:r>
             <a:r>
-              <a:rPr lang="en-US" dirty="0" smtClean="0"/>
+              <a:rPr lang="en-US" dirty="0"/>
               <a:t> we must explore it in isolation, understand where it fits in the ecosystem, and how the data it </a:t>
             </a:r>
             <a:r>
-              <a:rPr lang="en-US" smtClean="0"/>
+              <a:rPr lang="en-US"/>
               <a:t>provides is stored.</a:t>
             </a:r>
-            <a:endParaRPr lang="en-US"/>
           </a:p>
         </p:txBody>
       </p:sp>
@@ -14185,19 +13818,7 @@
             </a:r>
             <a:r>
               <a:rPr lang="en-US" dirty="0"/>
-              <a:t> to retrieve </a:t>
-            </a:r>
-            <a:r>
-              <a:rPr lang="en-US" dirty="0" smtClean="0"/>
-              <a:t>details about </a:t>
-            </a:r>
-            <a:r>
-              <a:rPr lang="en-US" dirty="0"/>
-              <a:t>the </a:t>
-            </a:r>
-            <a:r>
-              <a:rPr lang="en-US" dirty="0" smtClean="0"/>
-              <a:t>node</a:t>
+              <a:t> to retrieve details about the node</a:t>
             </a:r>
           </a:p>
           <a:p>
@@ -14206,24 +13827,16 @@
               <a:buChar char="q"/>
             </a:pPr>
             <a:r>
-              <a:rPr lang="en-US" dirty="0" smtClean="0"/>
+              <a:rPr lang="en-US" dirty="0"/>
               <a:t>View </a:t>
             </a:r>
             <a:r>
-              <a:rPr lang="en-US" dirty="0" err="1" smtClean="0"/>
+              <a:rPr lang="en-US" dirty="0" err="1"/>
               <a:t>Ohai's</a:t>
             </a:r>
             <a:r>
-              <a:rPr lang="en-US" dirty="0" smtClean="0"/>
-              <a:t> </a:t>
-            </a:r>
-            <a:r>
-              <a:rPr lang="en-US" dirty="0"/>
-              <a:t>execution within a chef-client </a:t>
-            </a:r>
-            <a:r>
-              <a:rPr lang="en-US" dirty="0" smtClean="0"/>
-              <a:t>run</a:t>
+              <a:rPr lang="en-US" dirty="0"/>
+              <a:t> execution within a chef-client run</a:t>
             </a:r>
           </a:p>
           <a:p>
@@ -14233,11 +13846,7 @@
             </a:pPr>
             <a:r>
               <a:rPr lang="en-US" dirty="0"/>
-              <a:t>Describe attributes </a:t>
-            </a:r>
-            <a:r>
-              <a:rPr lang="en-US" dirty="0" smtClean="0"/>
-              <a:t>precedence</a:t>
+              <a:t>Describe attributes precedence</a:t>
             </a:r>
           </a:p>
         </p:txBody>
@@ -14293,10 +13902,9 @@
           <a:lstStyle/>
           <a:p>
             <a:r>
-              <a:rPr lang="en-US" dirty="0" smtClean="0"/>
+              <a:rPr lang="en-US" dirty="0"/>
               <a:t>chef-client</a:t>
             </a:r>
-            <a:endParaRPr lang="en-US" dirty="0"/>
           </a:p>
         </p:txBody>
       </p:sp>
@@ -14339,11 +13947,7 @@
             </a:r>
             <a:r>
               <a:rPr lang="en-US" dirty="0"/>
-              <a:t>and stores the data about the node in an object we can use within the </a:t>
-            </a:r>
-            <a:r>
-              <a:rPr lang="en-US" dirty="0" smtClean="0"/>
-              <a:t>recipes. When the chef-client run completes successfully the details about the node are sent to the Chef Server.</a:t>
+              <a:t>and stores the data about the node in an object we can use within the recipes. When the chef-client run completes successfully the details about the node are sent to the Chef Server.</a:t>
             </a:r>
             <a:endParaRPr lang="en-US" dirty="0">
               <a:cs typeface="Courier New" panose="02070309020205020404" pitchFamily="49" charset="0"/>
@@ -14527,7 +14131,7 @@
           </a:lstStyle>
           <a:p>
             <a:r>
-              <a:rPr lang="en-US" sz="2800" smtClean="0">
+              <a:rPr lang="en-US" sz="2800">
                 <a:hlinkClick r:id="rId3"/>
               </a:rPr>
               <a:t>http://docs.chef.io/ohai.html</a:t>
@@ -14614,10 +14218,9 @@
           <a:lstStyle/>
           <a:p>
             <a:r>
-              <a:rPr lang="en-US" dirty="0" smtClean="0"/>
+              <a:rPr lang="en-US" dirty="0"/>
               <a:t>The Anatomy of a chef-client Run</a:t>
             </a:r>
-            <a:endParaRPr lang="en-US" dirty="0"/>
           </a:p>
         </p:txBody>
       </p:sp>
@@ -14670,67 +14273,36 @@
           <a:lstStyle/>
           <a:p>
             <a:r>
-              <a:rPr lang="en-US" dirty="0" smtClean="0"/>
+              <a:rPr lang="en-US" dirty="0"/>
               <a:t>[1] pry(main)&gt; require '</a:t>
             </a:r>
             <a:r>
-              <a:rPr lang="en-US" dirty="0" err="1" smtClean="0"/>
+              <a:rPr lang="en-US" dirty="0" err="1"/>
               <a:t>ohai</a:t>
             </a:r>
             <a:r>
-              <a:rPr lang="en-US" dirty="0" smtClean="0"/>
+              <a:rPr lang="en-US" dirty="0"/>
               <a:t>'</a:t>
             </a:r>
           </a:p>
           <a:p>
             <a:r>
-              <a:rPr lang="en-US" dirty="0" smtClean="0"/>
+              <a:rPr lang="en-US" dirty="0"/>
               <a:t>=&gt; true</a:t>
             </a:r>
           </a:p>
           <a:p>
             <a:r>
-              <a:rPr lang="en-US" dirty="0" smtClean="0"/>
-              <a:t>[2] </a:t>
-            </a:r>
-            <a:r>
-              <a:rPr lang="en-US" dirty="0"/>
-              <a:t>pry(main)&gt;</a:t>
-            </a:r>
-            <a:r>
-              <a:rPr lang="en-US" dirty="0" smtClean="0"/>
-              <a:t> </a:t>
-            </a:r>
-            <a:r>
-              <a:rPr lang="en-US" dirty="0" err="1" smtClean="0"/>
+              <a:rPr lang="en-US" dirty="0"/>
+              <a:t>[2] pry(main)&gt; </a:t>
+            </a:r>
+            <a:r>
+              <a:rPr lang="en-US" dirty="0" err="1"/>
               <a:t>ohai</a:t>
             </a:r>
             <a:r>
-              <a:rPr lang="en-US" dirty="0" smtClean="0"/>
+              <a:rPr lang="en-US" dirty="0"/>
               <a:t> = </a:t>
-            </a:r>
-            <a:r>
-              <a:rPr lang="en-US" dirty="0" err="1" smtClean="0"/>
-              <a:t>Ohai</a:t>
-            </a:r>
-            <a:r>
-              <a:rPr lang="en-US" dirty="0" smtClean="0"/>
-              <a:t>::</a:t>
-            </a:r>
-            <a:r>
-              <a:rPr lang="en-US" dirty="0" err="1" smtClean="0"/>
-              <a:t>System.new</a:t>
-            </a:r>
-            <a:endParaRPr lang="en-US" dirty="0" smtClean="0"/>
-          </a:p>
-          <a:p>
-            <a:r>
-              <a:rPr lang="en-US" dirty="0" smtClean="0"/>
-              <a:t>=&gt; #</a:t>
-            </a:r>
-            <a:r>
-              <a:rPr lang="en-US" dirty="0"/>
-              <a:t>&lt;</a:t>
             </a:r>
             <a:r>
               <a:rPr lang="en-US" dirty="0" err="1"/>
@@ -14738,19 +14310,34 @@
             </a:r>
             <a:r>
               <a:rPr lang="en-US" dirty="0"/>
+              <a:t>::</a:t>
+            </a:r>
+            <a:r>
+              <a:rPr lang="en-US" dirty="0" err="1"/>
+              <a:t>System.new</a:t>
+            </a:r>
+            <a:endParaRPr lang="en-US" dirty="0"/>
+          </a:p>
+          <a:p>
+            <a:r>
+              <a:rPr lang="en-US" dirty="0"/>
+              <a:t>=&gt; #&lt;</a:t>
+            </a:r>
+            <a:r>
+              <a:rPr lang="en-US" dirty="0" err="1"/>
+              <a:t>Ohai</a:t>
+            </a:r>
+            <a:r>
+              <a:rPr lang="en-US" dirty="0"/>
               <a:t>::System:0x007fc62fadc490 @</a:t>
             </a:r>
             <a:r>
-              <a:rPr lang="en-US" dirty="0" err="1" smtClean="0"/>
+              <a:rPr lang="en-US" dirty="0" err="1"/>
               <a:t>plugin_pat</a:t>
             </a:r>
             <a:r>
-              <a:rPr lang="en-US" dirty="0" smtClean="0"/>
-              <a:t>.</a:t>
-            </a:r>
-            <a:r>
-              <a:rPr lang="en-US" dirty="0"/>
-              <a:t>..@</a:t>
+              <a:rPr lang="en-US" dirty="0"/>
+              <a:t>...@</a:t>
             </a:r>
             <a:r>
               <a:rPr lang="en-US" dirty="0" err="1"/>
@@ -14758,101 +14345,13 @@
             </a:r>
             <a:r>
               <a:rPr lang="en-US" dirty="0"/>
-              <a:t>=true&gt;</a:t>
-            </a:r>
-            <a:r>
-              <a:rPr lang="en-US" dirty="0" smtClean="0"/>
-              <a:t>&gt;</a:t>
-            </a:r>
-          </a:p>
-          <a:p>
-            <a:r>
-              <a:rPr lang="en-US" dirty="0" smtClean="0"/>
-              <a:t>[3] </a:t>
-            </a:r>
-            <a:r>
-              <a:rPr lang="en-US" dirty="0"/>
-              <a:t>pry(main)&gt;</a:t>
-            </a:r>
-            <a:r>
-              <a:rPr lang="en-US" dirty="0" smtClean="0"/>
-              <a:t> </a:t>
-            </a:r>
-            <a:r>
-              <a:rPr lang="en-US" dirty="0" err="1" smtClean="0"/>
-              <a:t>ohai.all_plugins</a:t>
-            </a:r>
-            <a:r>
-              <a:rPr lang="en-US" dirty="0" smtClean="0"/>
-              <a:t>('</a:t>
-            </a:r>
-            <a:r>
-              <a:rPr lang="en-US" dirty="0" err="1" smtClean="0"/>
-              <a:t>ipaddress</a:t>
-            </a:r>
-            <a:r>
-              <a:rPr lang="en-US" dirty="0" smtClean="0"/>
-              <a:t>')</a:t>
-            </a:r>
-            <a:endParaRPr lang="en-US" dirty="0"/>
-          </a:p>
-          <a:p>
-            <a:r>
-              <a:rPr lang="en-US" dirty="0" smtClean="0"/>
-              <a:t>[4] </a:t>
-            </a:r>
-            <a:r>
-              <a:rPr lang="en-US" dirty="0"/>
-              <a:t>pry(main)&gt;</a:t>
-            </a:r>
-            <a:r>
-              <a:rPr lang="en-US" dirty="0" smtClean="0"/>
-              <a:t> </a:t>
-            </a:r>
-            <a:r>
-              <a:rPr lang="en-US" dirty="0" err="1" smtClean="0"/>
-              <a:t>ohai.all_plugins</a:t>
-            </a:r>
-            <a:r>
-              <a:rPr lang="en-US" dirty="0" smtClean="0"/>
-              <a:t>('hostname')</a:t>
-            </a:r>
-          </a:p>
-          <a:p>
-            <a:r>
-              <a:rPr lang="en-US" dirty="0" smtClean="0"/>
-              <a:t>[5] </a:t>
-            </a:r>
-            <a:r>
-              <a:rPr lang="en-US" dirty="0"/>
-              <a:t>pry(main)&gt;</a:t>
-            </a:r>
-            <a:r>
-              <a:rPr lang="en-US" dirty="0" smtClean="0"/>
-              <a:t> </a:t>
-            </a:r>
-            <a:r>
-              <a:rPr lang="en-US" dirty="0" err="1" smtClean="0"/>
-              <a:t>ohai.all_plugins</a:t>
-            </a:r>
-            <a:r>
-              <a:rPr lang="en-US" dirty="0" smtClean="0"/>
-              <a:t>('memory')</a:t>
-            </a:r>
-            <a:endParaRPr lang="en-US" dirty="0"/>
-          </a:p>
-          <a:p>
-            <a:r>
-              <a:rPr lang="en-US" dirty="0" smtClean="0"/>
-              <a:t>[6] </a:t>
-            </a:r>
-            <a:r>
-              <a:rPr lang="en-US" dirty="0"/>
-              <a:t>pry(main)&gt;</a:t>
-            </a:r>
-            <a:r>
-              <a:rPr lang="en-US" dirty="0" smtClean="0"/>
-              <a:t> </a:t>
+              <a:t>=true&gt;&gt;</a:t>
+            </a:r>
+          </a:p>
+          <a:p>
+            <a:r>
+              <a:rPr lang="en-US" dirty="0"/>
+              <a:t>[3] pry(main)&gt; </a:t>
             </a:r>
             <a:r>
               <a:rPr lang="en-US" dirty="0" err="1"/>
@@ -14860,52 +14359,89 @@
             </a:r>
             <a:r>
               <a:rPr lang="en-US" dirty="0"/>
-              <a:t>(</a:t>
-            </a:r>
-            <a:r>
-              <a:rPr lang="en-US" dirty="0" smtClean="0"/>
-              <a:t>'</a:t>
-            </a:r>
-            <a:r>
-              <a:rPr lang="en-US" dirty="0" err="1" smtClean="0"/>
+              <a:t>('</a:t>
+            </a:r>
+            <a:r>
+              <a:rPr lang="en-US" dirty="0" err="1"/>
+              <a:t>ipaddress</a:t>
+            </a:r>
+            <a:r>
+              <a:rPr lang="en-US" dirty="0"/>
+              <a:t>')</a:t>
+            </a:r>
+          </a:p>
+          <a:p>
+            <a:r>
+              <a:rPr lang="en-US" dirty="0"/>
+              <a:t>[4] pry(main)&gt; </a:t>
+            </a:r>
+            <a:r>
+              <a:rPr lang="en-US" dirty="0" err="1"/>
+              <a:t>ohai.all_plugins</a:t>
+            </a:r>
+            <a:r>
+              <a:rPr lang="en-US" dirty="0"/>
+              <a:t>('hostname')</a:t>
+            </a:r>
+          </a:p>
+          <a:p>
+            <a:r>
+              <a:rPr lang="en-US" dirty="0"/>
+              <a:t>[5] pry(main)&gt; </a:t>
+            </a:r>
+            <a:r>
+              <a:rPr lang="en-US" dirty="0" err="1"/>
+              <a:t>ohai.all_plugins</a:t>
+            </a:r>
+            <a:r>
+              <a:rPr lang="en-US" dirty="0"/>
+              <a:t>('memory')</a:t>
+            </a:r>
+          </a:p>
+          <a:p>
+            <a:r>
+              <a:rPr lang="en-US" dirty="0"/>
+              <a:t>[6] pry(main)&gt; </a:t>
+            </a:r>
+            <a:r>
+              <a:rPr lang="en-US" dirty="0" err="1"/>
+              <a:t>ohai.all_plugins</a:t>
+            </a:r>
+            <a:r>
+              <a:rPr lang="en-US" dirty="0"/>
+              <a:t>('</a:t>
+            </a:r>
+            <a:r>
+              <a:rPr lang="en-US" dirty="0" err="1"/>
               <a:t>cpu</a:t>
             </a:r>
             <a:r>
-              <a:rPr lang="en-US" dirty="0" smtClean="0"/>
+              <a:rPr lang="en-US" dirty="0"/>
               <a:t>')</a:t>
             </a:r>
           </a:p>
           <a:p>
             <a:r>
-              <a:rPr lang="en-US" dirty="0" smtClean="0"/>
-              <a:t>[7] </a:t>
-            </a:r>
-            <a:r>
-              <a:rPr lang="en-US" dirty="0"/>
-              <a:t>pry(main)&gt;</a:t>
-            </a:r>
-            <a:r>
-              <a:rPr lang="en-US" dirty="0" smtClean="0"/>
-              <a:t> </a:t>
-            </a:r>
-            <a:r>
-              <a:rPr lang="en-US" dirty="0" err="1" smtClean="0"/>
+              <a:rPr lang="en-US" dirty="0"/>
+              <a:t>[7] pry(main)&gt; </a:t>
+            </a:r>
+            <a:r>
+              <a:rPr lang="en-US" dirty="0" err="1"/>
               <a:t>ohai.all_plugins</a:t>
             </a:r>
-            <a:endParaRPr lang="en-US" dirty="0" smtClean="0"/>
-          </a:p>
-          <a:p>
-            <a:r>
-              <a:rPr lang="en-US" dirty="0" smtClean="0"/>
+            <a:endParaRPr lang="en-US" dirty="0"/>
+          </a:p>
+          <a:p>
+            <a:r>
+              <a:rPr lang="en-US" dirty="0"/>
               <a:t>[8] pry(main)&gt; exit</a:t>
             </a:r>
+          </a:p>
+          <a:p>
             <a:endParaRPr lang="en-US" dirty="0"/>
           </a:p>
           <a:p>
             <a:endParaRPr lang="en-US" dirty="0"/>
-          </a:p>
-          <a:p>
-            <a:endParaRPr lang="en-US" dirty="0" smtClean="0"/>
           </a:p>
         </p:txBody>
       </p:sp>
@@ -14925,10 +14461,9 @@
           <a:lstStyle/>
           <a:p>
             <a:r>
-              <a:rPr lang="en-US" dirty="0" smtClean="0"/>
+              <a:rPr lang="en-US" dirty="0"/>
               <a:t>&gt; chef exec pry</a:t>
             </a:r>
-            <a:endParaRPr lang="en-US" dirty="0"/>
           </a:p>
         </p:txBody>
       </p:sp>
@@ -14948,18 +14483,17 @@
           <a:lstStyle/>
           <a:p>
             <a:r>
-              <a:rPr lang="en-US" dirty="0" smtClean="0"/>
+              <a:rPr lang="en-US" dirty="0"/>
               <a:t>Running </a:t>
             </a:r>
             <a:r>
-              <a:rPr lang="en-US" dirty="0" err="1" smtClean="0"/>
+              <a:rPr lang="en-US" dirty="0" err="1"/>
               <a:t>Ohai</a:t>
             </a:r>
             <a:r>
-              <a:rPr lang="en-US" dirty="0" smtClean="0"/>
+              <a:rPr lang="en-US" dirty="0"/>
               <a:t> in Code</a:t>
             </a:r>
-            <a:endParaRPr lang="en-US" dirty="0"/>
           </a:p>
         </p:txBody>
       </p:sp>
@@ -15012,10 +14546,9 @@
           <a:lstStyle/>
           <a:p>
             <a:r>
-              <a:rPr lang="en-US" dirty="0" smtClean="0"/>
+              <a:rPr lang="en-US" dirty="0"/>
               <a:t>Objectives</a:t>
             </a:r>
-            <a:endParaRPr lang="en-US" dirty="0"/>
           </a:p>
         </p:txBody>
       </p:sp>
@@ -15035,7 +14568,7 @@
           <a:lstStyle/>
           <a:p>
             <a:r>
-              <a:rPr lang="en-US" dirty="0" smtClean="0"/>
+              <a:rPr lang="en-US" dirty="0"/>
               <a:t>After completing this module, you should be able to:</a:t>
             </a:r>
           </a:p>
@@ -15048,15 +14581,15 @@
               <a:buChar char="Ø"/>
             </a:pPr>
             <a:r>
-              <a:rPr lang="en-US" dirty="0" smtClean="0"/>
+              <a:rPr lang="en-US" dirty="0"/>
               <a:t>Execute the </a:t>
             </a:r>
             <a:r>
-              <a:rPr lang="en-US" dirty="0" err="1" smtClean="0"/>
+              <a:rPr lang="en-US" dirty="0" err="1"/>
               <a:t>Ohai</a:t>
             </a:r>
             <a:r>
-              <a:rPr lang="en-US" dirty="0" smtClean="0"/>
+              <a:rPr lang="en-US" dirty="0"/>
               <a:t> command-line tool to return an attribute</a:t>
             </a:r>
           </a:p>
@@ -15066,15 +14599,15 @@
               <a:buChar char="Ø"/>
             </a:pPr>
             <a:r>
-              <a:rPr lang="en-US" dirty="0" smtClean="0"/>
+              <a:rPr lang="en-US" dirty="0"/>
               <a:t>Describe when </a:t>
             </a:r>
             <a:r>
-              <a:rPr lang="en-US" dirty="0" err="1" smtClean="0"/>
+              <a:rPr lang="en-US" dirty="0" err="1"/>
               <a:t>Ohai</a:t>
             </a:r>
             <a:r>
-              <a:rPr lang="en-US" dirty="0" smtClean="0"/>
+              <a:rPr lang="en-US" dirty="0"/>
               <a:t> is loaded in the chef-client run</a:t>
             </a:r>
           </a:p>
@@ -15084,7 +14617,7 @@
               <a:buChar char="Ø"/>
             </a:pPr>
             <a:r>
-              <a:rPr lang="en-US" dirty="0" smtClean="0"/>
+              <a:rPr lang="en-US" dirty="0"/>
               <a:t>Describe when new attributes for the node are stored</a:t>
             </a:r>
           </a:p>
@@ -15094,11 +14627,11 @@
               <a:buChar char="Ø"/>
             </a:pPr>
             <a:r>
-              <a:rPr lang="en-US" dirty="0" smtClean="0"/>
+              <a:rPr lang="en-US" dirty="0"/>
               <a:t>Describe precedence of attributes collected by </a:t>
             </a:r>
             <a:r>
-              <a:rPr lang="en-US" dirty="0" err="1" smtClean="0"/>
+              <a:rPr lang="en-US" dirty="0" err="1"/>
               <a:t>Ohai</a:t>
             </a:r>
             <a:endParaRPr lang="en-US" dirty="0"/>
@@ -15118,13 +14651,6 @@
   <p:transition spd="med">
     <p:fade/>
   </p:transition>
-  <p:timing>
-    <p:tnLst>
-      <p:par>
-        <p:cTn id="1" dur="indefinite" restart="never" nodeType="tmRoot"/>
-      </p:par>
-    </p:tnLst>
-  </p:timing>
 </p:sld>
 </file>
 
@@ -15163,11 +14689,11 @@
           <a:lstStyle/>
           <a:p>
             <a:r>
-              <a:rPr lang="en-US" dirty="0" smtClean="0"/>
+              <a:rPr lang="en-US" dirty="0"/>
               <a:t>Exploring </a:t>
             </a:r>
             <a:r>
-              <a:rPr lang="en-US" dirty="0" err="1" smtClean="0"/>
+              <a:rPr lang="en-US" dirty="0" err="1"/>
               <a:t>Ohai</a:t>
             </a:r>
             <a:endParaRPr lang="en-US" dirty="0"/>
@@ -15190,22 +14716,21 @@
           <a:lstStyle/>
           <a:p>
             <a:r>
-              <a:rPr lang="en-US" dirty="0" smtClean="0"/>
+              <a:rPr lang="en-US" dirty="0"/>
               <a:t>To understand </a:t>
             </a:r>
             <a:r>
-              <a:rPr lang="en-US" dirty="0" err="1" smtClean="0"/>
+              <a:rPr lang="en-US" dirty="0" err="1"/>
               <a:t>Ohai</a:t>
             </a:r>
             <a:r>
-              <a:rPr lang="en-US" dirty="0" smtClean="0"/>
+              <a:rPr lang="en-US" dirty="0"/>
               <a:t> we must explore it in isolation, understand where it fits in the ecosystem, and how the data it </a:t>
             </a:r>
             <a:r>
-              <a:rPr lang="en-US" smtClean="0"/>
+              <a:rPr lang="en-US"/>
               <a:t>provides is stored.</a:t>
             </a:r>
-            <a:endParaRPr lang="en-US"/>
           </a:p>
         </p:txBody>
       </p:sp>
@@ -15238,19 +14763,7 @@
             </a:r>
             <a:r>
               <a:rPr lang="en-US" dirty="0"/>
-              <a:t> to retrieve </a:t>
-            </a:r>
-            <a:r>
-              <a:rPr lang="en-US" dirty="0" smtClean="0"/>
-              <a:t>details about </a:t>
-            </a:r>
-            <a:r>
-              <a:rPr lang="en-US" dirty="0"/>
-              <a:t>the </a:t>
-            </a:r>
-            <a:r>
-              <a:rPr lang="en-US" dirty="0" smtClean="0"/>
-              <a:t>node</a:t>
+              <a:t> to retrieve details about the node</a:t>
             </a:r>
           </a:p>
           <a:p>
@@ -15268,11 +14781,7 @@
             </a:r>
             <a:r>
               <a:rPr lang="en-US" dirty="0"/>
-              <a:t> execution within a chef-client </a:t>
-            </a:r>
-            <a:r>
-              <a:rPr lang="en-US" dirty="0" smtClean="0"/>
-              <a:t>run</a:t>
+              <a:t> execution within a chef-client run</a:t>
             </a:r>
           </a:p>
           <a:p>
@@ -15282,11 +14791,7 @@
             </a:pPr>
             <a:r>
               <a:rPr lang="en-US" dirty="0"/>
-              <a:t>Describe attributes </a:t>
-            </a:r>
-            <a:r>
-              <a:rPr lang="en-US" dirty="0" smtClean="0"/>
-              <a:t>precedence</a:t>
+              <a:t>Describe attributes precedence</a:t>
             </a:r>
           </a:p>
         </p:txBody>
@@ -15342,10 +14847,9 @@
           <a:lstStyle/>
           <a:p>
             <a:r>
-              <a:rPr lang="en-US" dirty="0" smtClean="0"/>
+              <a:rPr lang="en-US" dirty="0"/>
               <a:t>Node Attributes</a:t>
             </a:r>
-            <a:endParaRPr lang="en-US" dirty="0"/>
           </a:p>
         </p:txBody>
       </p:sp>
@@ -15365,15 +14869,15 @@
           <a:lstStyle/>
           <a:p>
             <a:r>
-              <a:rPr lang="en-US" dirty="0" smtClean="0"/>
+              <a:rPr lang="en-US" dirty="0"/>
               <a:t>A node object maintains the attributes collected from </a:t>
             </a:r>
             <a:r>
-              <a:rPr lang="en-US" dirty="0" err="1" smtClean="0"/>
+              <a:rPr lang="en-US" dirty="0" err="1"/>
               <a:t>Ohai</a:t>
             </a:r>
             <a:r>
-              <a:rPr lang="en-US" dirty="0" smtClean="0"/>
+              <a:rPr lang="en-US" dirty="0"/>
               <a:t>, from the previous node object (as returned by the Chef Server), from the environments, roles, and the cookbooks defined in the run list.</a:t>
             </a:r>
           </a:p>
@@ -15392,13 +14896,6 @@
   <p:transition spd="med">
     <p:fade/>
   </p:transition>
-  <p:timing>
-    <p:tnLst>
-      <p:par>
-        <p:cTn id="1" dur="indefinite" restart="never" nodeType="tmRoot"/>
-      </p:par>
-    </p:tnLst>
-  </p:timing>
 </p:sld>
 </file>
 
@@ -15435,10 +14932,9 @@
           <a:lstStyle/>
           <a:p>
             <a:r>
-              <a:rPr lang="en-US" dirty="0" smtClean="0"/>
+              <a:rPr lang="en-US" dirty="0"/>
               <a:t>Viewing Attribute Precedence as a Table</a:t>
             </a:r>
-            <a:endParaRPr lang="en-US" dirty="0"/>
           </a:p>
         </p:txBody>
       </p:sp>
@@ -15495,7 +14991,7 @@
           <a:p>
             <a:pPr algn="ctr"/>
             <a:r>
-              <a:rPr lang="en-US" b="1" dirty="0" smtClean="0"/>
+              <a:rPr lang="en-US" b="1" dirty="0"/>
               <a:t>LEVEL</a:t>
             </a:r>
           </a:p>
@@ -15524,7 +15020,7 @@
           <a:p>
             <a:pPr algn="ctr"/>
             <a:r>
-              <a:rPr lang="en-US" b="1" dirty="0" smtClean="0"/>
+              <a:rPr lang="en-US" b="1" dirty="0"/>
               <a:t>LOCATION</a:t>
             </a:r>
           </a:p>
@@ -15581,7 +15077,7 @@
           <a:p>
             <a:pPr algn="ctr" defTabSz="914099"/>
             <a:r>
-              <a:rPr lang="en-US" sz="2400" b="1" dirty="0" err="1" smtClean="0">
+              <a:rPr lang="en-US" sz="2400" b="1" dirty="0" err="1">
                 <a:gradFill>
                   <a:gsLst>
                     <a:gs pos="0">
@@ -15596,7 +15092,7 @@
               </a:rPr>
               <a:t>Ohai</a:t>
             </a:r>
-            <a:endParaRPr lang="en-US" sz="2400" b="1" dirty="0" smtClean="0">
+            <a:endParaRPr lang="en-US" sz="2400" b="1" dirty="0">
               <a:gradFill>
                 <a:gsLst>
                   <a:gs pos="0">
@@ -15700,13 +15196,6 @@
   <p:transition spd="med">
     <p:fade/>
   </p:transition>
-  <p:timing>
-    <p:tnLst>
-      <p:par>
-        <p:cTn id="1" dur="indefinite" restart="never" nodeType="tmRoot"/>
-      </p:par>
-    </p:tnLst>
-  </p:timing>
 </p:sld>
 </file>
 
@@ -15745,11 +15234,11 @@
           <a:lstStyle/>
           <a:p>
             <a:r>
-              <a:rPr lang="en-US" dirty="0" smtClean="0"/>
+              <a:rPr lang="en-US" dirty="0"/>
               <a:t>Exploring </a:t>
             </a:r>
             <a:r>
-              <a:rPr lang="en-US" dirty="0" err="1" smtClean="0"/>
+              <a:rPr lang="en-US" dirty="0" err="1"/>
               <a:t>Ohai</a:t>
             </a:r>
             <a:endParaRPr lang="en-US" dirty="0"/>
@@ -15772,22 +15261,21 @@
           <a:lstStyle/>
           <a:p>
             <a:r>
-              <a:rPr lang="en-US" dirty="0" smtClean="0"/>
+              <a:rPr lang="en-US" dirty="0"/>
               <a:t>To understand </a:t>
             </a:r>
             <a:r>
-              <a:rPr lang="en-US" dirty="0" err="1" smtClean="0"/>
+              <a:rPr lang="en-US" dirty="0" err="1"/>
               <a:t>Ohai</a:t>
             </a:r>
             <a:r>
-              <a:rPr lang="en-US" dirty="0" smtClean="0"/>
+              <a:rPr lang="en-US" dirty="0"/>
               <a:t> we must explore it in isolation, understand where it fits in the ecosystem, and how the data it </a:t>
             </a:r>
             <a:r>
-              <a:rPr lang="en-US" smtClean="0"/>
+              <a:rPr lang="en-US"/>
               <a:t>provides is stored.</a:t>
             </a:r>
-            <a:endParaRPr lang="en-US"/>
           </a:p>
         </p:txBody>
       </p:sp>
@@ -15820,19 +15308,7 @@
             </a:r>
             <a:r>
               <a:rPr lang="en-US" dirty="0"/>
-              <a:t> to retrieve </a:t>
-            </a:r>
-            <a:r>
-              <a:rPr lang="en-US" dirty="0" smtClean="0"/>
-              <a:t>details about </a:t>
-            </a:r>
-            <a:r>
-              <a:rPr lang="en-US" dirty="0"/>
-              <a:t>the </a:t>
-            </a:r>
-            <a:r>
-              <a:rPr lang="en-US" dirty="0" smtClean="0"/>
-              <a:t>node</a:t>
+              <a:t> to retrieve details about the node</a:t>
             </a:r>
           </a:p>
           <a:p>
@@ -15850,11 +15326,7 @@
             </a:r>
             <a:r>
               <a:rPr lang="en-US" dirty="0"/>
-              <a:t> execution within a chef-client </a:t>
-            </a:r>
-            <a:r>
-              <a:rPr lang="en-US" dirty="0" smtClean="0"/>
-              <a:t>run</a:t>
+              <a:t> execution within a chef-client run</a:t>
             </a:r>
           </a:p>
           <a:p>
@@ -15864,11 +15336,7 @@
             </a:pPr>
             <a:r>
               <a:rPr lang="en-US" dirty="0"/>
-              <a:t>Describe attributes </a:t>
-            </a:r>
-            <a:r>
-              <a:rPr lang="en-US" dirty="0" smtClean="0"/>
-              <a:t>precedence</a:t>
+              <a:t>Describe attributes precedence</a:t>
             </a:r>
           </a:p>
         </p:txBody>
@@ -15886,13 +15354,6 @@
   <p:transition spd="med">
     <p:fade/>
   </p:transition>
-  <p:timing>
-    <p:tnLst>
-      <p:par>
-        <p:cTn id="1" dur="indefinite" restart="never" nodeType="tmRoot"/>
-      </p:par>
-    </p:tnLst>
-  </p:timing>
 </p:sld>
 </file>
 
@@ -15931,10 +15392,9 @@
           <a:lstStyle/>
           <a:p>
             <a:r>
-              <a:rPr lang="en-US" dirty="0" smtClean="0"/>
+              <a:rPr lang="en-US" dirty="0"/>
               <a:t>Discussion</a:t>
             </a:r>
-            <a:endParaRPr lang="en-US" dirty="0"/>
           </a:p>
         </p:txBody>
       </p:sp>
@@ -15959,23 +15419,23 @@
           <a:lstStyle/>
           <a:p>
             <a:r>
-              <a:rPr lang="en-US" dirty="0" smtClean="0"/>
+              <a:rPr lang="en-US" dirty="0"/>
               <a:t>When might you execute </a:t>
             </a:r>
             <a:r>
-              <a:rPr lang="en-US" dirty="0" err="1" smtClean="0"/>
+              <a:rPr lang="en-US" dirty="0" err="1"/>
               <a:t>ohai</a:t>
             </a:r>
             <a:r>
-              <a:rPr lang="en-US" dirty="0" smtClean="0"/>
+              <a:rPr lang="en-US" dirty="0"/>
               <a:t> from the </a:t>
             </a:r>
             <a:r>
-              <a:rPr lang="en-US" dirty="0" err="1" smtClean="0"/>
+              <a:rPr lang="en-US" dirty="0" err="1"/>
               <a:t>comand</a:t>
             </a:r>
             <a:r>
-              <a:rPr lang="en-US" dirty="0" smtClean="0"/>
+              <a:rPr lang="en-US" dirty="0"/>
               <a:t>-line to gather data about the system?</a:t>
             </a:r>
           </a:p>
@@ -15984,15 +15444,15 @@
           </a:p>
           <a:p>
             <a:r>
-              <a:rPr lang="en-US" dirty="0" smtClean="0"/>
+              <a:rPr lang="en-US" dirty="0"/>
               <a:t>Why might it be important to collect details about the system, through </a:t>
             </a:r>
             <a:r>
-              <a:rPr lang="en-US" dirty="0" err="1" smtClean="0"/>
+              <a:rPr lang="en-US" dirty="0" err="1"/>
               <a:t>Ohai</a:t>
             </a:r>
             <a:r>
-              <a:rPr lang="en-US" dirty="0" smtClean="0"/>
+              <a:rPr lang="en-US" dirty="0"/>
               <a:t>, early in the chef-client run?</a:t>
             </a:r>
           </a:p>
@@ -16001,18 +15461,17 @@
           </a:p>
           <a:p>
             <a:r>
-              <a:rPr lang="en-US" dirty="0" smtClean="0"/>
+              <a:rPr lang="en-US" dirty="0"/>
               <a:t>What kind of data should be collected and stored within </a:t>
             </a:r>
             <a:r>
-              <a:rPr lang="en-US" dirty="0" err="1" smtClean="0"/>
+              <a:rPr lang="en-US" dirty="0" err="1"/>
               <a:t>Ohai</a:t>
             </a:r>
             <a:r>
-              <a:rPr lang="en-US" dirty="0" smtClean="0"/>
+              <a:rPr lang="en-US" dirty="0"/>
               <a:t>? What kind of data should it not collect?</a:t>
             </a:r>
-            <a:endParaRPr lang="en-US" dirty="0"/>
           </a:p>
         </p:txBody>
       </p:sp>
@@ -16067,10 +15526,9 @@
           <a:lstStyle/>
           <a:p>
             <a:r>
-              <a:rPr lang="en-US" dirty="0" smtClean="0"/>
+              <a:rPr lang="en-US" dirty="0"/>
               <a:t>Q&amp;A</a:t>
             </a:r>
-            <a:endParaRPr lang="en-US" dirty="0"/>
           </a:p>
         </p:txBody>
       </p:sp>
@@ -16090,10 +15548,9 @@
           <a:lstStyle/>
           <a:p>
             <a:r>
-              <a:rPr lang="en-US" dirty="0" smtClean="0"/>
+              <a:rPr lang="en-US" dirty="0"/>
               <a:t>What questions can we answer for you?</a:t>
             </a:r>
-            <a:endParaRPr lang="en-US" dirty="0"/>
           </a:p>
         </p:txBody>
       </p:sp>
@@ -16110,13 +15567,6 @@
   <p:transition spd="med">
     <p:fade/>
   </p:transition>
-  <p:timing>
-    <p:tnLst>
-      <p:par>
-        <p:cTn id="1" dur="indefinite" restart="never" nodeType="tmRoot"/>
-      </p:par>
-    </p:tnLst>
-  </p:timing>
 </p:sld>
 </file>
 
@@ -16150,13 +15600,6 @@
   <p:transition spd="med">
     <p:fade/>
   </p:transition>
-  <p:timing>
-    <p:tnLst>
-      <p:par>
-        <p:cTn id="1" dur="indefinite" restart="never" nodeType="tmRoot"/>
-      </p:par>
-    </p:tnLst>
-  </p:timing>
 </p:sld>
 </file>
 
@@ -16195,7 +15638,7 @@
           <a:lstStyle/>
           <a:p>
             <a:r>
-              <a:rPr lang="en-US" dirty="0" err="1" smtClean="0"/>
+              <a:rPr lang="en-US" dirty="0" err="1"/>
               <a:t>Ohai</a:t>
             </a:r>
             <a:endParaRPr lang="en-US" dirty="0"/>
@@ -16228,15 +15671,7 @@
             </a:r>
             <a:r>
               <a:rPr lang="en-US" dirty="0"/>
-              <a:t> is a tool that is used to detect attributes on a node, and then provide these attributes to the chef-client at the start of every chef-client run</a:t>
-            </a:r>
-            <a:r>
-              <a:rPr lang="en-US" dirty="0" smtClean="0"/>
-              <a:t>. </a:t>
-            </a:r>
-            <a:r>
-              <a:rPr lang="en-US" dirty="0"/>
-              <a:t>The types of attributes </a:t>
+              <a:t> is a tool that is used to detect attributes on a node, and then provide these attributes to the chef-client at the start of every chef-client run. The types of attributes </a:t>
             </a:r>
             <a:r>
               <a:rPr lang="en-US" dirty="0" err="1"/>
@@ -16244,13 +15679,8 @@
             </a:r>
             <a:r>
               <a:rPr lang="en-US" dirty="0"/>
-              <a:t> collects include (but are not limited to</a:t>
-            </a:r>
-            <a:r>
-              <a:rPr lang="en-US" dirty="0" smtClean="0"/>
-              <a:t>):</a:t>
-            </a:r>
-            <a:endParaRPr lang="en-US" dirty="0"/>
+              <a:t> collects include (but are not limited to):</a:t>
+            </a:r>
           </a:p>
           <a:p>
             <a:endParaRPr lang="en-US" dirty="0"/>
@@ -16261,7 +15691,7 @@
               <a:buChar char="•"/>
             </a:pPr>
             <a:r>
-              <a:rPr lang="en-US" dirty="0" smtClean="0"/>
+              <a:rPr lang="en-US" dirty="0"/>
               <a:t>Platform details</a:t>
             </a:r>
           </a:p>
@@ -16355,11 +15785,11 @@
           <a:lstStyle/>
           <a:p>
             <a:r>
-              <a:rPr lang="en-US" dirty="0" smtClean="0"/>
+              <a:rPr lang="en-US" dirty="0"/>
               <a:t>Exploring </a:t>
             </a:r>
             <a:r>
-              <a:rPr lang="en-US" dirty="0" err="1" smtClean="0"/>
+              <a:rPr lang="en-US" dirty="0" err="1"/>
               <a:t>Ohai</a:t>
             </a:r>
             <a:endParaRPr lang="en-US" dirty="0"/>
@@ -16382,18 +15812,17 @@
           <a:lstStyle/>
           <a:p>
             <a:r>
-              <a:rPr lang="en-US" dirty="0" smtClean="0"/>
+              <a:rPr lang="en-US" dirty="0"/>
               <a:t>To understand </a:t>
             </a:r>
             <a:r>
-              <a:rPr lang="en-US" dirty="0" err="1" smtClean="0"/>
+              <a:rPr lang="en-US" dirty="0" err="1"/>
               <a:t>Ohai</a:t>
             </a:r>
             <a:r>
-              <a:rPr lang="en-US" dirty="0" smtClean="0"/>
+              <a:rPr lang="en-US" dirty="0"/>
               <a:t> we must explore it in isolation, understand where it fits in the ecosystem, and how the data it provides is stored.</a:t>
             </a:r>
-            <a:endParaRPr lang="en-US" dirty="0"/>
           </a:p>
         </p:txBody>
       </p:sp>
@@ -16426,19 +15855,7 @@
             </a:r>
             <a:r>
               <a:rPr lang="en-US" dirty="0"/>
-              <a:t> to retrieve </a:t>
-            </a:r>
-            <a:r>
-              <a:rPr lang="en-US" dirty="0" smtClean="0"/>
-              <a:t>details about </a:t>
-            </a:r>
-            <a:r>
-              <a:rPr lang="en-US" dirty="0"/>
-              <a:t>the </a:t>
-            </a:r>
-            <a:r>
-              <a:rPr lang="en-US" dirty="0" smtClean="0"/>
-              <a:t>node</a:t>
+              <a:t> to retrieve details about the node</a:t>
             </a:r>
           </a:p>
           <a:p>
@@ -16456,11 +15873,7 @@
             </a:r>
             <a:r>
               <a:rPr lang="en-US" dirty="0"/>
-              <a:t> execution within a chef-client </a:t>
-            </a:r>
-            <a:r>
-              <a:rPr lang="en-US" dirty="0" smtClean="0"/>
-              <a:t>run</a:t>
+              <a:t> execution within a chef-client run</a:t>
             </a:r>
           </a:p>
           <a:p>
@@ -16470,11 +15883,7 @@
             </a:pPr>
             <a:r>
               <a:rPr lang="en-US" dirty="0"/>
-              <a:t>Describe attributes </a:t>
-            </a:r>
-            <a:r>
-              <a:rPr lang="en-US" dirty="0" smtClean="0"/>
-              <a:t>precedence</a:t>
+              <a:t>Describe attributes precedence</a:t>
             </a:r>
           </a:p>
         </p:txBody>
@@ -16530,10 +15939,9 @@
           <a:lstStyle/>
           <a:p>
             <a:r>
-              <a:rPr lang="en-US" dirty="0" smtClean="0"/>
+              <a:rPr lang="en-US" dirty="0"/>
               <a:t>All About The System </a:t>
             </a:r>
-            <a:endParaRPr lang="en-US" dirty="0"/>
           </a:p>
         </p:txBody>
       </p:sp>
@@ -16554,11 +15962,7 @@
           <a:p>
             <a:r>
               <a:rPr lang="en-US" dirty="0"/>
-              <a:t>Ohai queries the operating system with a number of commands, similar to the ones </a:t>
-            </a:r>
-            <a:r>
-              <a:rPr lang="en-US" dirty="0" smtClean="0"/>
-              <a:t>demonstrated. </a:t>
+              <a:t>Ohai queries the operating system with a number of commands, similar to the ones demonstrated. </a:t>
             </a:r>
           </a:p>
           <a:p>
@@ -16566,10 +15970,9 @@
           </a:p>
           <a:p>
             <a:r>
-              <a:rPr lang="en-US" dirty="0" smtClean="0"/>
+              <a:rPr lang="en-US" dirty="0"/>
               <a:t>The data is presented in JSON (JavaScript Object Notation).</a:t>
             </a:r>
-            <a:endParaRPr lang="en-US" dirty="0"/>
           </a:p>
         </p:txBody>
       </p:sp>
@@ -16586,13 +15989,6 @@
   <p:transition spd="med">
     <p:fade/>
   </p:transition>
-  <p:timing>
-    <p:tnLst>
-      <p:par>
-        <p:cTn id="1" dur="indefinite" restart="never" nodeType="tmRoot"/>
-      </p:par>
-    </p:tnLst>
-  </p:timing>
 </p:sld>
 </file>
 
@@ -16734,13 +16130,8 @@
             </a:r>
             <a:r>
               <a:rPr lang="en-US" sz="2200" b="1" dirty="0"/>
-              <a:t>": </a:t>
-            </a:r>
-            <a:r>
-              <a:rPr lang="en-US" sz="2200" b="1" dirty="0" smtClean="0"/>
-              <a:t>{</a:t>
-            </a:r>
-            <a:endParaRPr lang="en-US" sz="2200" b="1" dirty="0"/>
+              <a:t>": {</a:t>
+            </a:r>
           </a:p>
         </p:txBody>
       </p:sp>
@@ -16760,11 +16151,11 @@
           <a:lstStyle/>
           <a:p>
             <a:r>
-              <a:rPr lang="en-US" dirty="0" smtClean="0"/>
+              <a:rPr lang="en-US" dirty="0"/>
               <a:t>&gt; </a:t>
             </a:r>
             <a:r>
-              <a:rPr lang="en-US" dirty="0" err="1" smtClean="0"/>
+              <a:rPr lang="en-US" dirty="0" err="1"/>
               <a:t>ohai</a:t>
             </a:r>
             <a:endParaRPr lang="en-US" dirty="0"/>
@@ -16787,34 +16178,17 @@
           <a:lstStyle/>
           <a:p>
             <a:r>
-              <a:rPr lang="en-US" dirty="0" smtClean="0"/>
+              <a:rPr lang="en-US" dirty="0"/>
               <a:t>Running </a:t>
             </a:r>
             <a:r>
-              <a:rPr lang="en-US" dirty="0" err="1" smtClean="0"/>
+              <a:rPr lang="en-US" dirty="0" err="1"/>
               <a:t>Ohai</a:t>
             </a:r>
             <a:r>
-              <a:rPr lang="en-US" dirty="0" smtClean="0"/>
-              <a:t> to </a:t>
-            </a:r>
-            <a:r>
-              <a:rPr lang="en-US" dirty="0"/>
-              <a:t>S</a:t>
-            </a:r>
-            <a:r>
-              <a:rPr lang="en-US" dirty="0" smtClean="0"/>
-              <a:t>how All </a:t>
-            </a:r>
-            <a:r>
-              <a:rPr lang="en-US" dirty="0"/>
-              <a:t>A</a:t>
-            </a:r>
-            <a:r>
-              <a:rPr lang="en-US" dirty="0" smtClean="0"/>
-              <a:t>ttributes</a:t>
-            </a:r>
-            <a:endParaRPr lang="en-US" dirty="0"/>
+              <a:rPr lang="en-US" dirty="0"/>
+              <a:t> to Show All Attributes</a:t>
+            </a:r>
           </a:p>
         </p:txBody>
       </p:sp>
@@ -16831,13 +16205,6 @@
   <p:transition spd="med">
     <p:fade/>
   </p:transition>
-  <p:timing>
-    <p:tnLst>
-      <p:par>
-        <p:cTn id="1" dur="indefinite" restart="never" nodeType="tmRoot"/>
-      </p:par>
-    </p:tnLst>
-  </p:timing>
 </p:sld>
 </file>
 
@@ -16910,22 +16277,18 @@
           <a:p>
             <a:r>
               <a:rPr lang="en-US" dirty="0"/>
-              <a:t>&gt;</a:t>
-            </a:r>
-            <a:r>
-              <a:rPr lang="en-US" dirty="0" smtClean="0"/>
+              <a:t>&gt; </a:t>
+            </a:r>
+            <a:r>
+              <a:rPr lang="en-US" dirty="0" err="1"/>
+              <a:t>ohai</a:t>
+            </a:r>
+            <a:r>
+              <a:rPr lang="en-US" dirty="0"/>
               <a:t> </a:t>
             </a:r>
             <a:r>
-              <a:rPr lang="en-US" dirty="0" err="1" smtClean="0"/>
-              <a:t>ohai</a:t>
-            </a:r>
-            <a:r>
-              <a:rPr lang="en-US" dirty="0" smtClean="0"/>
-              <a:t> </a:t>
-            </a:r>
-            <a:r>
-              <a:rPr lang="en-US" dirty="0" err="1" smtClean="0"/>
+              <a:rPr lang="en-US" dirty="0" err="1"/>
               <a:t>ipaddress</a:t>
             </a:r>
             <a:endParaRPr lang="en-US" dirty="0"/>
@@ -16972,18 +16335,17 @@
           <a:lstStyle/>
           <a:p>
             <a:r>
-              <a:rPr lang="en-US" dirty="0" smtClean="0"/>
+              <a:rPr lang="en-US" dirty="0"/>
               <a:t>Running </a:t>
             </a:r>
             <a:r>
-              <a:rPr lang="en-US" dirty="0" err="1" smtClean="0"/>
+              <a:rPr lang="en-US" dirty="0" err="1"/>
               <a:t>Ohai</a:t>
             </a:r>
             <a:r>
-              <a:rPr lang="en-US" dirty="0" smtClean="0"/>
+              <a:rPr lang="en-US" dirty="0"/>
               <a:t> to Show the IP Address</a:t>
             </a:r>
-            <a:endParaRPr lang="en-US" dirty="0"/>
           </a:p>
         </p:txBody>
       </p:sp>
@@ -17000,13 +16362,6 @@
   <p:transition spd="med">
     <p:fade/>
   </p:transition>
-  <p:timing>
-    <p:tnLst>
-      <p:par>
-        <p:cTn id="1" dur="indefinite" restart="never" nodeType="tmRoot"/>
-      </p:par>
-    </p:tnLst>
-  </p:timing>
 </p:sld>
 </file>
 
@@ -17079,21 +16434,16 @@
           <a:p>
             <a:r>
               <a:rPr lang="en-US" dirty="0"/>
-              <a:t>&gt;</a:t>
-            </a:r>
-            <a:r>
-              <a:rPr lang="en-US" dirty="0" smtClean="0"/>
-              <a:t> </a:t>
-            </a:r>
-            <a:r>
-              <a:rPr lang="en-US" dirty="0" err="1" smtClean="0"/>
+              <a:t>&gt; </a:t>
+            </a:r>
+            <a:r>
+              <a:rPr lang="en-US" dirty="0" err="1"/>
               <a:t>ohai</a:t>
             </a:r>
             <a:r>
-              <a:rPr lang="en-US" dirty="0" smtClean="0"/>
+              <a:rPr lang="en-US" dirty="0"/>
               <a:t> hostname</a:t>
             </a:r>
-            <a:endParaRPr lang="en-US" dirty="0"/>
           </a:p>
         </p:txBody>
       </p:sp>
@@ -17137,18 +16487,17 @@
           <a:lstStyle/>
           <a:p>
             <a:r>
-              <a:rPr lang="en-US" dirty="0" smtClean="0"/>
+              <a:rPr lang="en-US" dirty="0"/>
               <a:t>Running </a:t>
             </a:r>
             <a:r>
-              <a:rPr lang="en-US" dirty="0" err="1" smtClean="0"/>
+              <a:rPr lang="en-US" dirty="0" err="1"/>
               <a:t>Ohai</a:t>
             </a:r>
             <a:r>
-              <a:rPr lang="en-US" dirty="0" smtClean="0"/>
+              <a:rPr lang="en-US" dirty="0"/>
               <a:t> to Show the Hostname</a:t>
             </a:r>
-            <a:endParaRPr lang="en-US" dirty="0"/>
           </a:p>
         </p:txBody>
       </p:sp>
@@ -17165,13 +16514,6 @@
   <p:transition spd="med">
     <p:fade/>
   </p:transition>
-  <p:timing>
-    <p:tnLst>
-      <p:par>
-        <p:cTn id="1" dur="indefinite" restart="never" nodeType="tmRoot"/>
-      </p:par>
-    </p:tnLst>
-  </p:timing>
 </p:sld>
 </file>
 
@@ -17208,67 +16550,105 @@
           <a:lstStyle/>
           <a:p>
             <a:r>
-              <a:rPr lang="en-US" dirty="0"/>
+              <a:rPr lang="en-US" sz="1800" dirty="0"/>
               <a:t>{</a:t>
             </a:r>
           </a:p>
           <a:p>
             <a:r>
-              <a:rPr lang="en-US" dirty="0"/>
+              <a:rPr lang="en-US" sz="1800" dirty="0"/>
               <a:t>  "swap": {</a:t>
             </a:r>
           </a:p>
           <a:p>
             <a:r>
-              <a:rPr lang="en-US" dirty="0"/>
+              <a:rPr lang="en-US" sz="1800" dirty="0"/>
               <a:t>    "cached": "0kB",</a:t>
             </a:r>
           </a:p>
           <a:p>
             <a:r>
-              <a:rPr lang="en-US" dirty="0"/>
+              <a:rPr lang="en-US" sz="1800" dirty="0"/>
               <a:t>    "total": "0kB",</a:t>
             </a:r>
           </a:p>
           <a:p>
             <a:r>
-              <a:rPr lang="en-US" dirty="0"/>
+              <a:rPr lang="en-US" sz="1800" dirty="0"/>
               <a:t>    "free": "0kB"</a:t>
             </a:r>
           </a:p>
           <a:p>
             <a:r>
-              <a:rPr lang="en-US" dirty="0"/>
+              <a:rPr lang="en-US" sz="1800" dirty="0"/>
               <a:t>  },</a:t>
             </a:r>
           </a:p>
           <a:p>
             <a:r>
-              <a:rPr lang="en-US" dirty="0"/>
-              <a:t>  "total": "604308kB",</a:t>
-            </a:r>
-          </a:p>
-          <a:p>
-            <a:r>
-              <a:rPr lang="en-US" dirty="0"/>
-              <a:t>  "free": "297940kB",</a:t>
-            </a:r>
-          </a:p>
-          <a:p>
-            <a:r>
-              <a:rPr lang="en-US" dirty="0"/>
-              <a:t>  "buffers": "24824kB",</a:t>
-            </a:r>
-          </a:p>
-          <a:p>
-            <a:r>
-              <a:rPr lang="en-US" dirty="0"/>
-              <a:t>  "cached": "198264kB",</a:t>
-            </a:r>
-          </a:p>
-          <a:p>
-            <a:r>
-              <a:rPr lang="en-US" dirty="0"/>
+              <a:rPr lang="en-US" sz="1800" dirty="0"/>
+              <a:t>  "</a:t>
+            </a:r>
+            <a:r>
+              <a:rPr lang="en-US" sz="1800" dirty="0" err="1"/>
+              <a:t>hugepages</a:t>
+            </a:r>
+            <a:r>
+              <a:rPr lang="en-US" sz="1800" dirty="0"/>
+              <a:t>": {</a:t>
+            </a:r>
+          </a:p>
+          <a:p>
+            <a:r>
+              <a:rPr lang="en-US" sz="1800" dirty="0"/>
+              <a:t>    "total": "0",</a:t>
+            </a:r>
+          </a:p>
+          <a:p>
+            <a:r>
+              <a:rPr lang="en-US" sz="1800" dirty="0"/>
+              <a:t>    "free": "0",</a:t>
+            </a:r>
+          </a:p>
+          <a:p>
+            <a:r>
+              <a:rPr lang="en-US" sz="1800" dirty="0"/>
+              <a:t>    "reserved": "0",</a:t>
+            </a:r>
+          </a:p>
+          <a:p>
+            <a:r>
+              <a:rPr lang="en-US" sz="1800" dirty="0"/>
+              <a:t>    "surplus": "0"</a:t>
+            </a:r>
+          </a:p>
+          <a:p>
+            <a:r>
+              <a:rPr lang="en-US" sz="1800" dirty="0"/>
+              <a:t>  },</a:t>
+            </a:r>
+          </a:p>
+          <a:p>
+            <a:r>
+              <a:rPr lang="en-US" sz="1800" dirty="0"/>
+              <a:t>  "total": "1018184kB",</a:t>
+            </a:r>
+          </a:p>
+          <a:p>
+            <a:r>
+              <a:rPr lang="en-US" sz="1800" dirty="0"/>
+              <a:t>  "free": "280972kB",</a:t>
+            </a:r>
+          </a:p>
+          <a:p>
+            <a:r>
+              <a:rPr lang="en-US" sz="1800" dirty="0"/>
+              <a:t>  "buffers": "54340kB",</a:t>
+            </a:r>
+          </a:p>
+          <a:p>
+            <a:r>
+              <a:rPr lang="en-US" sz="1800" dirty="0"/>
               <a:t> </a:t>
             </a:r>
           </a:p>
@@ -17290,7 +16670,7 @@
           <a:lstStyle/>
           <a:p>
             <a:r>
-              <a:rPr lang="en-US" smtClean="0"/>
+              <a:rPr lang="en-US"/>
               <a:t>&gt; ohai memory</a:t>
             </a:r>
             <a:endParaRPr lang="en-US" dirty="0"/>
@@ -17309,15 +16689,15 @@
         </p:nvSpPr>
         <p:spPr>
           <a:xfrm>
-            <a:off x="1122782" y="5474410"/>
-            <a:ext cx="14420850" cy="557213"/>
+            <a:off x="1121103" y="6788861"/>
+            <a:ext cx="14422528" cy="392990"/>
           </a:xfrm>
         </p:spPr>
         <p:txBody>
           <a:bodyPr/>
           <a:lstStyle/>
           <a:p>
-            <a:endParaRPr lang="en-US"/>
+            <a:endParaRPr lang="en-US" dirty="0"/>
           </a:p>
         </p:txBody>
       </p:sp>
@@ -17337,18 +16717,17 @@
           <a:lstStyle/>
           <a:p>
             <a:r>
-              <a:rPr lang="en-US" dirty="0" smtClean="0"/>
+              <a:rPr lang="en-US" dirty="0"/>
               <a:t>Running </a:t>
             </a:r>
             <a:r>
-              <a:rPr lang="en-US" dirty="0" err="1" smtClean="0"/>
+              <a:rPr lang="en-US" dirty="0" err="1"/>
               <a:t>Ohai</a:t>
             </a:r>
             <a:r>
-              <a:rPr lang="en-US" dirty="0" smtClean="0"/>
+              <a:rPr lang="en-US" dirty="0"/>
               <a:t> to Show the Memory</a:t>
             </a:r>
-            <a:endParaRPr lang="en-US" dirty="0"/>
           </a:p>
         </p:txBody>
       </p:sp>
@@ -17365,13 +16744,6 @@
   <p:transition spd="med">
     <p:fade/>
   </p:transition>
-  <p:timing>
-    <p:tnLst>
-      <p:par>
-        <p:cTn id="1" dur="indefinite" restart="never" nodeType="tmRoot"/>
-      </p:par>
-    </p:tnLst>
-  </p:timing>
 </p:sld>
 </file>
 
@@ -18706,15 +18078,6 @@
 </file>
 
 <file path=customXml/item1.xml><?xml version="1.0" encoding="utf-8"?>
-<?mso-contentType ?>
-<FormTemplates xmlns="http://schemas.microsoft.com/sharepoint/v3/contenttype/forms">
-  <Display>DocumentLibraryForm</Display>
-  <Edit>DocumentLibraryForm</Edit>
-  <New>DocumentLibraryForm</New>
-</FormTemplates>
-</file>
-
-<file path=customXml/item2.xml><?xml version="1.0" encoding="utf-8"?>
 <p:properties xmlns:p="http://schemas.microsoft.com/office/2006/metadata/properties" xmlns:xsi="http://www.w3.org/2001/XMLSchema-instance" xmlns:pc="http://schemas.microsoft.com/office/infopath/2007/PartnerControls">
   <documentManagement>
     <_dlc_DocId xmlns="7bb5d761-a2ea-4873-95f7-7a6658fb3ef0">M4CWTKMW727E-592-73</_dlc_DocId>
@@ -18726,7 +18089,62 @@
 </p:properties>
 </file>
 
+<file path=customXml/item2.xml><?xml version="1.0" encoding="utf-8"?>
+<?mso-contentType ?>
+<FormTemplates xmlns="http://schemas.microsoft.com/sharepoint/v3/contenttype/forms">
+  <Display>DocumentLibraryForm</Display>
+  <Edit>DocumentLibraryForm</Edit>
+  <New>DocumentLibraryForm</New>
+</FormTemplates>
+</file>
+
 <file path=customXml/item3.xml><?xml version="1.0" encoding="utf-8"?>
+<?mso-contentType ?>
+<spe:Receivers xmlns:spe="http://schemas.microsoft.com/sharepoint/events">
+  <Receiver>
+    <Name>Document ID Generator</Name>
+    <Synchronization>Synchronous</Synchronization>
+    <Type>10001</Type>
+    <SequenceNumber>1000</SequenceNumber>
+    <Assembly>Microsoft.Office.DocumentManagement, Version=14.0.0.0, Culture=neutral, PublicKeyToken=71e9bce111e9429c</Assembly>
+    <Class>Microsoft.Office.DocumentManagement.Internal.DocIdHandler</Class>
+    <Data/>
+    <Filter/>
+  </Receiver>
+  <Receiver>
+    <Name>Document ID Generator</Name>
+    <Synchronization>Synchronous</Synchronization>
+    <Type>10002</Type>
+    <SequenceNumber>1001</SequenceNumber>
+    <Assembly>Microsoft.Office.DocumentManagement, Version=14.0.0.0, Culture=neutral, PublicKeyToken=71e9bce111e9429c</Assembly>
+    <Class>Microsoft.Office.DocumentManagement.Internal.DocIdHandler</Class>
+    <Data/>
+    <Filter/>
+  </Receiver>
+  <Receiver>
+    <Name>Document ID Generator</Name>
+    <Synchronization>Synchronous</Synchronization>
+    <Type>10004</Type>
+    <SequenceNumber>1002</SequenceNumber>
+    <Assembly>Microsoft.Office.DocumentManagement, Version=14.0.0.0, Culture=neutral, PublicKeyToken=71e9bce111e9429c</Assembly>
+    <Class>Microsoft.Office.DocumentManagement.Internal.DocIdHandler</Class>
+    <Data/>
+    <Filter/>
+  </Receiver>
+  <Receiver>
+    <Name>Document ID Generator</Name>
+    <Synchronization>Synchronous</Synchronization>
+    <Type>10006</Type>
+    <SequenceNumber>1003</SequenceNumber>
+    <Assembly>Microsoft.Office.DocumentManagement, Version=14.0.0.0, Culture=neutral, PublicKeyToken=71e9bce111e9429c</Assembly>
+    <Class>Microsoft.Office.DocumentManagement.Internal.DocIdHandler</Class>
+    <Data/>
+    <Filter/>
+  </Receiver>
+</spe:Receivers>
+</file>
+
+<file path=customXml/item4.xml><?xml version="1.0" encoding="utf-8"?>
 <ct:contentTypeSchema xmlns:ct="http://schemas.microsoft.com/office/2006/metadata/contentType" xmlns:ma="http://schemas.microsoft.com/office/2006/metadata/properties/metaAttributes" ct:_="" ma:_="" ma:contentTypeName="Document" ma:contentTypeID="0x0101000812F700BE7F874999720E88173FE491" ma:contentTypeVersion="0" ma:contentTypeDescription="Create a new document." ma:contentTypeScope="" ma:versionID="3f79f408e2ca720b7aba6e0e32464d0c">
   <xsd:schema xmlns:xsd="http://www.w3.org/2001/XMLSchema" xmlns:xs="http://www.w3.org/2001/XMLSchema" xmlns:p="http://schemas.microsoft.com/office/2006/metadata/properties" xmlns:ns2="7bb5d761-a2ea-4873-95f7-7a6658fb3ef0" targetNamespace="http://schemas.microsoft.com/office/2006/metadata/properties" ma:root="true" ma:fieldsID="1e062cd38ba31e406bfc4340fbc7f87a" ns2:_="">
     <xsd:import namespace="7bb5d761-a2ea-4873-95f7-7a6658fb3ef0"/>
@@ -18871,61 +18289,7 @@
 </ct:contentTypeSchema>
 </file>
 
-<file path=customXml/item4.xml><?xml version="1.0" encoding="utf-8"?>
-<?mso-contentType ?>
-<spe:Receivers xmlns:spe="http://schemas.microsoft.com/sharepoint/events">
-  <Receiver>
-    <Name>Document ID Generator</Name>
-    <Synchronization>Synchronous</Synchronization>
-    <Type>10001</Type>
-    <SequenceNumber>1000</SequenceNumber>
-    <Assembly>Microsoft.Office.DocumentManagement, Version=14.0.0.0, Culture=neutral, PublicKeyToken=71e9bce111e9429c</Assembly>
-    <Class>Microsoft.Office.DocumentManagement.Internal.DocIdHandler</Class>
-    <Data/>
-    <Filter/>
-  </Receiver>
-  <Receiver>
-    <Name>Document ID Generator</Name>
-    <Synchronization>Synchronous</Synchronization>
-    <Type>10002</Type>
-    <SequenceNumber>1001</SequenceNumber>
-    <Assembly>Microsoft.Office.DocumentManagement, Version=14.0.0.0, Culture=neutral, PublicKeyToken=71e9bce111e9429c</Assembly>
-    <Class>Microsoft.Office.DocumentManagement.Internal.DocIdHandler</Class>
-    <Data/>
-    <Filter/>
-  </Receiver>
-  <Receiver>
-    <Name>Document ID Generator</Name>
-    <Synchronization>Synchronous</Synchronization>
-    <Type>10004</Type>
-    <SequenceNumber>1002</SequenceNumber>
-    <Assembly>Microsoft.Office.DocumentManagement, Version=14.0.0.0, Culture=neutral, PublicKeyToken=71e9bce111e9429c</Assembly>
-    <Class>Microsoft.Office.DocumentManagement.Internal.DocIdHandler</Class>
-    <Data/>
-    <Filter/>
-  </Receiver>
-  <Receiver>
-    <Name>Document ID Generator</Name>
-    <Synchronization>Synchronous</Synchronization>
-    <Type>10006</Type>
-    <SequenceNumber>1003</SequenceNumber>
-    <Assembly>Microsoft.Office.DocumentManagement, Version=14.0.0.0, Culture=neutral, PublicKeyToken=71e9bce111e9429c</Assembly>
-    <Class>Microsoft.Office.DocumentManagement.Internal.DocIdHandler</Class>
-    <Data/>
-    <Filter/>
-  </Receiver>
-</spe:Receivers>
-</file>
-
 <file path=customXml/itemProps1.xml><?xml version="1.0" encoding="utf-8"?>
-<ds:datastoreItem xmlns:ds="http://schemas.openxmlformats.org/officeDocument/2006/customXml" ds:itemID="{5CDEB364-43EC-4510-9881-539C2A3FCE9E}">
-  <ds:schemaRefs>
-    <ds:schemaRef ds:uri="http://schemas.microsoft.com/sharepoint/v3/contenttype/forms"/>
-  </ds:schemaRefs>
-</ds:datastoreItem>
-</file>
-
-<file path=customXml/itemProps2.xml><?xml version="1.0" encoding="utf-8"?>
 <ds:datastoreItem xmlns:ds="http://schemas.openxmlformats.org/officeDocument/2006/customXml" ds:itemID="{6921749B-AEB7-461B-845F-603CABD25259}">
   <ds:schemaRefs>
     <ds:schemaRef ds:uri="7bb5d761-a2ea-4873-95f7-7a6658fb3ef0"/>
@@ -18941,7 +18305,23 @@
 </ds:datastoreItem>
 </file>
 
+<file path=customXml/itemProps2.xml><?xml version="1.0" encoding="utf-8"?>
+<ds:datastoreItem xmlns:ds="http://schemas.openxmlformats.org/officeDocument/2006/customXml" ds:itemID="{5CDEB364-43EC-4510-9881-539C2A3FCE9E}">
+  <ds:schemaRefs>
+    <ds:schemaRef ds:uri="http://schemas.microsoft.com/sharepoint/v3/contenttype/forms"/>
+  </ds:schemaRefs>
+</ds:datastoreItem>
+</file>
+
 <file path=customXml/itemProps3.xml><?xml version="1.0" encoding="utf-8"?>
+<ds:datastoreItem xmlns:ds="http://schemas.openxmlformats.org/officeDocument/2006/customXml" ds:itemID="{B13EBC30-FE27-4C6A-B723-23FC2188F7DC}">
+  <ds:schemaRefs>
+    <ds:schemaRef ds:uri="http://schemas.microsoft.com/sharepoint/events"/>
+  </ds:schemaRefs>
+</ds:datastoreItem>
+</file>
+
+<file path=customXml/itemProps4.xml><?xml version="1.0" encoding="utf-8"?>
 <ds:datastoreItem xmlns:ds="http://schemas.openxmlformats.org/officeDocument/2006/customXml" ds:itemID="{164479E5-0B02-49AC-B79E-EC1D6164DDD3}">
   <ds:schemaRefs>
     <ds:schemaRef ds:uri="http://schemas.microsoft.com/office/2006/metadata/contentType"/>
@@ -18957,12 +18337,4 @@
     <ds:schemaRef ds:uri="http://schemas.microsoft.com/internal/obd"/>
   </ds:schemaRefs>
 </ds:datastoreItem>
-</file>
-
-<file path=customXml/itemProps4.xml><?xml version="1.0" encoding="utf-8"?>
-<ds:datastoreItem xmlns:ds="http://schemas.openxmlformats.org/officeDocument/2006/customXml" ds:itemID="{B13EBC30-FE27-4C6A-B723-23FC2188F7DC}">
-  <ds:schemaRefs>
-    <ds:schemaRef ds:uri="http://schemas.microsoft.com/sharepoint/events"/>
-  </ds:schemaRefs>
-</ds:datastoreItem>
 </file>